--- a/Win312.pptx
+++ b/Win312.pptx
@@ -5,42 +5,40 @@
     <p:sldMasterId id="2147483729" r:id="rId5"/>
   </p:sldMasterIdLst>
   <p:notesMasterIdLst>
-    <p:notesMasterId r:id="rId36"/>
+    <p:notesMasterId r:id="rId34"/>
   </p:notesMasterIdLst>
   <p:handoutMasterIdLst>
-    <p:handoutMasterId r:id="rId37"/>
+    <p:handoutMasterId r:id="rId35"/>
   </p:handoutMasterIdLst>
   <p:sldIdLst>
-    <p:sldId id="272" r:id="rId6"/>
-    <p:sldId id="256" r:id="rId7"/>
-    <p:sldId id="259" r:id="rId8"/>
-    <p:sldId id="280" r:id="rId9"/>
-    <p:sldId id="285" r:id="rId10"/>
-    <p:sldId id="286" r:id="rId11"/>
-    <p:sldId id="287" r:id="rId12"/>
-    <p:sldId id="298" r:id="rId13"/>
-    <p:sldId id="282" r:id="rId14"/>
-    <p:sldId id="300" r:id="rId15"/>
-    <p:sldId id="301" r:id="rId16"/>
-    <p:sldId id="302" r:id="rId17"/>
-    <p:sldId id="299" r:id="rId18"/>
-    <p:sldId id="288" r:id="rId19"/>
-    <p:sldId id="303" r:id="rId20"/>
-    <p:sldId id="290" r:id="rId21"/>
-    <p:sldId id="289" r:id="rId22"/>
-    <p:sldId id="291" r:id="rId23"/>
-    <p:sldId id="292" r:id="rId24"/>
-    <p:sldId id="294" r:id="rId25"/>
-    <p:sldId id="295" r:id="rId26"/>
-    <p:sldId id="296" r:id="rId27"/>
-    <p:sldId id="297" r:id="rId28"/>
-    <p:sldId id="284" r:id="rId29"/>
-    <p:sldId id="273" r:id="rId30"/>
-    <p:sldId id="269" r:id="rId31"/>
-    <p:sldId id="271" r:id="rId32"/>
-    <p:sldId id="274" r:id="rId33"/>
-    <p:sldId id="263" r:id="rId34"/>
-    <p:sldId id="270" r:id="rId35"/>
+    <p:sldId id="256" r:id="rId6"/>
+    <p:sldId id="280" r:id="rId7"/>
+    <p:sldId id="285" r:id="rId8"/>
+    <p:sldId id="286" r:id="rId9"/>
+    <p:sldId id="287" r:id="rId10"/>
+    <p:sldId id="298" r:id="rId11"/>
+    <p:sldId id="282" r:id="rId12"/>
+    <p:sldId id="300" r:id="rId13"/>
+    <p:sldId id="301" r:id="rId14"/>
+    <p:sldId id="302" r:id="rId15"/>
+    <p:sldId id="299" r:id="rId16"/>
+    <p:sldId id="288" r:id="rId17"/>
+    <p:sldId id="303" r:id="rId18"/>
+    <p:sldId id="290" r:id="rId19"/>
+    <p:sldId id="289" r:id="rId20"/>
+    <p:sldId id="291" r:id="rId21"/>
+    <p:sldId id="292" r:id="rId22"/>
+    <p:sldId id="294" r:id="rId23"/>
+    <p:sldId id="295" r:id="rId24"/>
+    <p:sldId id="296" r:id="rId25"/>
+    <p:sldId id="297" r:id="rId26"/>
+    <p:sldId id="284" r:id="rId27"/>
+    <p:sldId id="273" r:id="rId28"/>
+    <p:sldId id="269" r:id="rId29"/>
+    <p:sldId id="271" r:id="rId30"/>
+    <p:sldId id="274" r:id="rId31"/>
+    <p:sldId id="263" r:id="rId32"/>
+    <p:sldId id="270" r:id="rId33"/>
   </p:sldIdLst>
   <p:sldSz cx="9144000" cy="5715000" type="screen16x10"/>
   <p:notesSz cx="6858000" cy="9144000"/>
@@ -3383,7 +3381,7 @@
       </p:grpSpPr>
       <p:sp>
         <p:nvSpPr>
-          <p:cNvPr id="19457" name="Slide Image Placeholder 1"/>
+          <p:cNvPr id="2" name="Slide Image Placeholder 1"/>
           <p:cNvSpPr>
             <a:spLocks noGrp="1" noRot="1" noChangeAspect="1"/>
           </p:cNvSpPr>
@@ -3391,25 +3389,11 @@
             <p:ph type="sldImg"/>
           </p:nvPr>
         </p:nvSpPr>
-        <p:spPr bwMode="auto">
-          <a:xfrm>
-            <a:off x="685800" y="685800"/>
-            <a:ext cx="5486400" cy="3429000"/>
-          </a:xfrm>
-          <a:noFill/>
-          <a:ln>
-            <a:solidFill>
-              <a:srgbClr val="000000"/>
-            </a:solidFill>
-            <a:miter lim="800000"/>
-            <a:headEnd/>
-            <a:tailEnd/>
-          </a:ln>
-        </p:spPr>
+        <p:spPr/>
       </p:sp>
       <p:sp>
         <p:nvSpPr>
-          <p:cNvPr id="19458" name="Notes Placeholder 2"/>
+          <p:cNvPr id="3" name="Notes Placeholder 2"/>
           <p:cNvSpPr>
             <a:spLocks noGrp="1"/>
           </p:cNvSpPr>
@@ -3417,429 +3401,97 @@
             <p:ph type="body" idx="1"/>
           </p:nvPr>
         </p:nvSpPr>
-        <p:spPr bwMode="auto">
-          <a:noFill/>
-        </p:spPr>
+        <p:spPr/>
         <p:txBody>
-          <a:bodyPr wrap="square" numCol="1" anchor="t" anchorCtr="0" compatLnSpc="1">
-            <a:prstTxWarp prst="textNoShape">
-              <a:avLst/>
-            </a:prstTxWarp>
-          </a:bodyPr>
+          <a:bodyPr/>
           <a:lstStyle/>
           <a:p>
-            <a:pPr>
-              <a:spcBef>
-                <a:spcPct val="0"/>
-              </a:spcBef>
-            </a:pPr>
-            <a:endParaRPr lang="en-US" smtClean="0"/>
+            <a:r>
+              <a:rPr lang="en-CA" sz="900" kern="1200" dirty="0" smtClean="0">
+                <a:solidFill>
+                  <a:schemeClr val="tx1"/>
+                </a:solidFill>
+                <a:effectLst/>
+                <a:latin typeface="Trebuchet MS" pitchFamily="34" charset="0"/>
+                <a:ea typeface="+mn-ea"/>
+                <a:cs typeface="+mn-cs"/>
+                <a:hlinkClick r:id="rId3"/>
+              </a:rPr>
+              <a:t>http://samples.msdn.microsoft.com/ietestcenter/</a:t>
+            </a:r>
+            <a:r>
+              <a:rPr lang="en-CA" sz="900" kern="1200" dirty="0" smtClean="0">
+                <a:solidFill>
+                  <a:schemeClr val="tx1"/>
+                </a:solidFill>
+                <a:effectLst/>
+                <a:latin typeface="Trebuchet MS" pitchFamily="34" charset="0"/>
+                <a:ea typeface="+mn-ea"/>
+                <a:cs typeface="+mn-cs"/>
+              </a:rPr>
+              <a:t> </a:t>
+            </a:r>
+          </a:p>
+          <a:p>
+            <a:r>
+              <a:rPr lang="en-CA" sz="900" kern="1200" dirty="0" smtClean="0">
+                <a:solidFill>
+                  <a:schemeClr val="tx1"/>
+                </a:solidFill>
+                <a:effectLst/>
+                <a:latin typeface="Trebuchet MS" pitchFamily="34" charset="0"/>
+                <a:ea typeface="+mn-ea"/>
+                <a:cs typeface="+mn-cs"/>
+                <a:hlinkClick r:id="rId4"/>
+              </a:rPr>
+              <a:t>http://caniuse.com/</a:t>
+            </a:r>
+            <a:r>
+              <a:rPr lang="en-CA" sz="900" kern="1200" dirty="0" smtClean="0">
+                <a:solidFill>
+                  <a:schemeClr val="tx1"/>
+                </a:solidFill>
+                <a:effectLst/>
+                <a:latin typeface="Trebuchet MS" pitchFamily="34" charset="0"/>
+                <a:ea typeface="+mn-ea"/>
+                <a:cs typeface="+mn-cs"/>
+              </a:rPr>
+              <a:t> </a:t>
+            </a:r>
+            <a:endParaRPr lang="en-CA" dirty="0"/>
           </a:p>
         </p:txBody>
       </p:sp>
       <p:sp>
         <p:nvSpPr>
-          <p:cNvPr id="19459" name="Header Placeholder 3"/>
+          <p:cNvPr id="4" name="Slide Number Placeholder 3"/>
           <p:cNvSpPr>
             <a:spLocks noGrp="1"/>
           </p:cNvSpPr>
           <p:nvPr>
-            <p:ph type="hdr" sz="quarter"/>
+            <p:ph type="sldNum" sz="quarter" idx="10"/>
           </p:nvPr>
         </p:nvSpPr>
-        <p:spPr bwMode="auto">
-          <a:noFill/>
-          <a:ln>
-            <a:miter lim="800000"/>
-            <a:headEnd/>
-            <a:tailEnd/>
-          </a:ln>
-        </p:spPr>
+        <p:spPr/>
         <p:txBody>
-          <a:bodyPr wrap="square" numCol="1" anchor="t" anchorCtr="0" compatLnSpc="1">
-            <a:prstTxWarp prst="textNoShape">
-              <a:avLst/>
-            </a:prstTxWarp>
-          </a:bodyPr>
+          <a:bodyPr/>
           <a:lstStyle/>
           <a:p>
-            <a:pPr defTabSz="912813" fontAlgn="base">
-              <a:spcBef>
-                <a:spcPct val="0"/>
-              </a:spcBef>
-              <a:spcAft>
-                <a:spcPct val="0"/>
-              </a:spcAft>
-            </a:pPr>
-            <a:r>
-              <a:rPr lang="en-US" dirty="0" smtClean="0"/>
-              <a:t>Tech Ed North America 2010</a:t>
-            </a:r>
-          </a:p>
-        </p:txBody>
-      </p:sp>
-      <p:sp>
-        <p:nvSpPr>
-          <p:cNvPr id="19460" name="Date Placeholder 4"/>
-          <p:cNvSpPr>
-            <a:spLocks noGrp="1"/>
-          </p:cNvSpPr>
-          <p:nvPr>
-            <p:ph type="dt" sz="quarter" idx="1"/>
-          </p:nvPr>
-        </p:nvSpPr>
-        <p:spPr bwMode="auto">
-          <a:noFill/>
-          <a:ln>
-            <a:miter lim="800000"/>
-            <a:headEnd/>
-            <a:tailEnd/>
-          </a:ln>
-        </p:spPr>
-        <p:txBody>
-          <a:bodyPr wrap="square" numCol="1" anchor="t" anchorCtr="0" compatLnSpc="1">
-            <a:prstTxWarp prst="textNoShape">
-              <a:avLst/>
-            </a:prstTxWarp>
-          </a:bodyPr>
-          <a:lstStyle/>
-          <a:p>
-            <a:pPr defTabSz="912813" fontAlgn="base">
-              <a:spcBef>
-                <a:spcPct val="0"/>
-              </a:spcBef>
-              <a:spcAft>
-                <a:spcPct val="0"/>
-              </a:spcAft>
-            </a:pPr>
-            <a:fld id="{8CB9DE7C-6FD8-457D-A5F4-084C5926EE8B}" type="datetime8">
+            <a:fld id="{8B263312-38AA-4E1E-B2B5-0F8F122B24FE}" type="slidenum">
               <a:rPr lang="en-US" smtClean="0"/>
-              <a:pPr defTabSz="912813" fontAlgn="base">
-                <a:spcBef>
-                  <a:spcPct val="0"/>
-                </a:spcBef>
-                <a:spcAft>
-                  <a:spcPct val="0"/>
-                </a:spcAft>
-              </a:pPr>
-              <a:t>10/25/2011 5:58 PM</a:t>
+              <a:pPr/>
+              <a:t>7</a:t>
             </a:fld>
-            <a:endParaRPr lang="en-US"/>
-          </a:p>
-        </p:txBody>
-      </p:sp>
-      <p:sp>
-        <p:nvSpPr>
-          <p:cNvPr id="19461" name="Footer Placeholder 5"/>
-          <p:cNvSpPr>
-            <a:spLocks noGrp="1"/>
-          </p:cNvSpPr>
-          <p:nvPr>
-            <p:ph type="ftr" sz="quarter" idx="4"/>
-          </p:nvPr>
-        </p:nvSpPr>
-        <p:spPr bwMode="auto">
-          <a:noFill/>
-          <a:ln>
-            <a:miter lim="800000"/>
-            <a:headEnd/>
-            <a:tailEnd/>
-          </a:ln>
-        </p:spPr>
-        <p:txBody>
-          <a:bodyPr wrap="square" numCol="1" anchorCtr="0" compatLnSpc="1">
-            <a:prstTxWarp prst="textNoShape">
-              <a:avLst/>
-            </a:prstTxWarp>
-          </a:bodyPr>
-          <a:lstStyle/>
-          <a:p>
-            <a:pPr defTabSz="912813" fontAlgn="base">
-              <a:spcBef>
-                <a:spcPct val="0"/>
-              </a:spcBef>
-              <a:spcAft>
-                <a:spcPct val="0"/>
-              </a:spcAft>
-            </a:pPr>
-            <a:r>
-              <a:rPr lang="en-US" sz="800" smtClean="0">
-                <a:solidFill>
-                  <a:schemeClr val="bg2"/>
-                </a:solidFill>
-              </a:rPr>
-              <a:t>MICROSOFT CONFIDENTIAL</a:t>
-            </a:r>
-          </a:p>
-          <a:p>
-            <a:pPr defTabSz="912813" fontAlgn="base">
-              <a:spcBef>
-                <a:spcPct val="0"/>
-              </a:spcBef>
-              <a:spcAft>
-                <a:spcPct val="0"/>
-              </a:spcAft>
-            </a:pPr>
-            <a:r>
-              <a:rPr lang="en-US" smtClean="0">
-                <a:solidFill>
-                  <a:schemeClr val="bg2"/>
-                </a:solidFill>
-              </a:rPr>
-              <a:t>© 2006 Microsoft Corporation. All rights reserved. Microsoft, Windows, Windows Vista and other product names are or may be registered trademarks and/or trademarks in the U.S. and/or other countries.</a:t>
-            </a:r>
-          </a:p>
-          <a:p>
-            <a:pPr defTabSz="912813" fontAlgn="base">
-              <a:spcBef>
-                <a:spcPct val="0"/>
-              </a:spcBef>
-              <a:spcAft>
-                <a:spcPct val="0"/>
-              </a:spcAft>
-            </a:pPr>
-            <a:r>
-              <a:rPr lang="en-US" smtClean="0">
-                <a:solidFill>
-                  <a:schemeClr val="bg2"/>
-                </a:solidFill>
-              </a:rPr>
-              <a:t>The information herein is for informational purposes only and represents the current view of Microsoft Corporation as of the date of this presentation.  Because Microsoft must respond to changing market conditions, it should not be interpreted to be a commitment on the part of Microsoft, and Microsoft cannot guarantee the accuracy of any information provided after the date of this presentation.  </a:t>
-            </a:r>
-            <a:br>
-              <a:rPr lang="en-US" smtClean="0">
-                <a:solidFill>
-                  <a:schemeClr val="bg2"/>
-                </a:solidFill>
-              </a:rPr>
-            </a:br>
-            <a:r>
-              <a:rPr lang="en-US" smtClean="0">
-                <a:solidFill>
-                  <a:schemeClr val="bg2"/>
-                </a:solidFill>
-              </a:rPr>
-              <a:t>MICROSOFT MAKES NO WARRANTIES, EXPRESS, IMPLIED OR STATUTORY, AS TO THE INFORMATION IN THIS PRESENTATION.</a:t>
-            </a:r>
-            <a:endParaRPr lang="en-US">
-              <a:solidFill>
-                <a:schemeClr val="bg2"/>
-              </a:solidFill>
-            </a:endParaRPr>
-          </a:p>
-        </p:txBody>
-      </p:sp>
-      <p:sp>
-        <p:nvSpPr>
-          <p:cNvPr id="19462" name="Slide Number Placeholder 6"/>
-          <p:cNvSpPr>
-            <a:spLocks noGrp="1"/>
-          </p:cNvSpPr>
-          <p:nvPr>
-            <p:ph type="sldNum" sz="quarter" idx="5"/>
-          </p:nvPr>
-        </p:nvSpPr>
-        <p:spPr bwMode="auto">
-          <a:noFill/>
-          <a:ln>
-            <a:miter lim="800000"/>
-            <a:headEnd/>
-            <a:tailEnd/>
-          </a:ln>
-        </p:spPr>
-        <p:txBody>
-          <a:bodyPr wrap="square" numCol="1" anchorCtr="0" compatLnSpc="1">
-            <a:prstTxWarp prst="textNoShape">
-              <a:avLst/>
-            </a:prstTxWarp>
-          </a:bodyPr>
-          <a:lstStyle/>
-          <a:p>
-            <a:pPr defTabSz="912813" fontAlgn="base">
-              <a:spcBef>
-                <a:spcPct val="0"/>
-              </a:spcBef>
-              <a:spcAft>
-                <a:spcPct val="0"/>
-              </a:spcAft>
-            </a:pPr>
-            <a:fld id="{ABC88268-B158-4D99-A794-C75B3A4B69F3}" type="slidenum">
-              <a:rPr lang="en-US" smtClean="0"/>
-              <a:pPr defTabSz="912813" fontAlgn="base">
-                <a:spcBef>
-                  <a:spcPct val="0"/>
-                </a:spcBef>
-                <a:spcAft>
-                  <a:spcPct val="0"/>
-                </a:spcAft>
-              </a:pPr>
-              <a:t>1</a:t>
-            </a:fld>
-            <a:endParaRPr lang="en-US"/>
-          </a:p>
-        </p:txBody>
-      </p:sp>
-      <p:sp>
-        <p:nvSpPr>
-          <p:cNvPr id="12" name="Footer Placeholder 5"/>
-          <p:cNvSpPr txBox="1">
-            <a:spLocks/>
-          </p:cNvSpPr>
-          <p:nvPr/>
-        </p:nvSpPr>
-        <p:spPr>
-          <a:xfrm>
-            <a:off x="0" y="8686800"/>
-            <a:ext cx="6172200" cy="457200"/>
-          </a:xfrm>
-          <a:prstGeom prst="rect">
-            <a:avLst/>
-          </a:prstGeom>
-        </p:spPr>
-        <p:txBody>
-          <a:bodyPr vert="horz" lIns="91440" tIns="45720" rIns="91440" bIns="45720" rtlCol="0" anchor="b"/>
-          <a:lstStyle/>
-          <a:p>
-            <a:pPr marL="0" marR="0" lvl="0" indent="0" algn="l" defTabSz="914363" rtl="0" eaLnBrk="1" fontAlgn="auto" latinLnBrk="0" hangingPunct="1">
-              <a:lnSpc>
-                <a:spcPct val="100000"/>
-              </a:lnSpc>
-              <a:spcBef>
-                <a:spcPts val="0"/>
-              </a:spcBef>
-              <a:spcAft>
-                <a:spcPts val="0"/>
-              </a:spcAft>
-              <a:buClrTx/>
-              <a:buSzTx/>
-              <a:buFontTx/>
-              <a:buNone/>
-              <a:tabLst/>
-              <a:defRPr/>
-            </a:pPr>
-            <a:r>
-              <a:rPr kumimoji="0" lang="en-US" sz="500" b="0" i="0" u="none" strike="noStrike" kern="1200" cap="none" spc="0" normalizeH="0" baseline="0" noProof="0" smtClean="0">
-                <a:ln>
-                  <a:noFill/>
-                </a:ln>
-                <a:solidFill>
-                  <a:schemeClr val="tx1"/>
-                </a:solidFill>
-                <a:effectLst/>
-                <a:uLnTx/>
-                <a:uFillTx/>
-                <a:latin typeface="Segoe" pitchFamily="34" charset="0"/>
-                <a:ea typeface="+mn-ea"/>
-                <a:cs typeface="+mn-cs"/>
-              </a:rPr>
-              <a:t>© 2010 Microsoft Corporation. All rights reserved. Microsoft, Windows, Windows Vista and other product names are or may be registered trademarks and/or trademarks in the U.S. and/or other countries.</a:t>
-            </a:r>
-          </a:p>
-          <a:p>
-            <a:pPr marL="0" marR="0" lvl="0" indent="0" algn="l" defTabSz="914363" rtl="0" eaLnBrk="1" fontAlgn="auto" latinLnBrk="0" hangingPunct="1">
-              <a:lnSpc>
-                <a:spcPct val="100000"/>
-              </a:lnSpc>
-              <a:spcBef>
-                <a:spcPts val="0"/>
-              </a:spcBef>
-              <a:spcAft>
-                <a:spcPts val="0"/>
-              </a:spcAft>
-              <a:buClrTx/>
-              <a:buSzTx/>
-              <a:buFontTx/>
-              <a:buNone/>
-              <a:tabLst/>
-              <a:defRPr/>
-            </a:pPr>
-            <a:r>
-              <a:rPr kumimoji="0" lang="en-US" sz="500" b="0" i="0" u="none" strike="noStrike" kern="1200" cap="none" spc="0" normalizeH="0" baseline="0" noProof="0" smtClean="0">
-                <a:ln>
-                  <a:noFill/>
-                </a:ln>
-                <a:solidFill>
-                  <a:schemeClr val="tx1"/>
-                </a:solidFill>
-                <a:effectLst/>
-                <a:uLnTx/>
-                <a:uFillTx/>
-                <a:latin typeface="Segoe" pitchFamily="34" charset="0"/>
-                <a:ea typeface="+mn-ea"/>
-                <a:cs typeface="+mn-cs"/>
-              </a:rPr>
-              <a:t>The information herein is for informational purposes only and represents the current view of Microsoft Corporation as of the date of this presentation.  Because Microsoft must respond to changing market conditions, it should not be interpreted to be a commitment on the part of Microsoft, and Microsoft cannot guarantee the accuracy of any information provided after the date of this presentation.  </a:t>
-            </a:r>
-            <a:br>
-              <a:rPr kumimoji="0" lang="en-US" sz="500" b="0" i="0" u="none" strike="noStrike" kern="1200" cap="none" spc="0" normalizeH="0" baseline="0" noProof="0" smtClean="0">
-                <a:ln>
-                  <a:noFill/>
-                </a:ln>
-                <a:solidFill>
-                  <a:schemeClr val="tx1"/>
-                </a:solidFill>
-                <a:effectLst/>
-                <a:uLnTx/>
-                <a:uFillTx/>
-                <a:latin typeface="Segoe" pitchFamily="34" charset="0"/>
-                <a:ea typeface="+mn-ea"/>
-                <a:cs typeface="+mn-cs"/>
-              </a:rPr>
-            </a:br>
-            <a:r>
-              <a:rPr kumimoji="0" lang="en-US" sz="500" b="0" i="0" u="none" strike="noStrike" kern="1200" cap="none" spc="0" normalizeH="0" baseline="0" noProof="0" smtClean="0">
-                <a:ln>
-                  <a:noFill/>
-                </a:ln>
-                <a:solidFill>
-                  <a:schemeClr val="tx1"/>
-                </a:solidFill>
-                <a:effectLst/>
-                <a:uLnTx/>
-                <a:uFillTx/>
-                <a:latin typeface="Segoe" pitchFamily="34" charset="0"/>
-                <a:ea typeface="+mn-ea"/>
-                <a:cs typeface="+mn-cs"/>
-              </a:rPr>
-              <a:t>MICROSOFT MAKES NO WARRANTIES, EXPRESS, IMPLIED OR STATUTORY, AS TO THE INFORMATION IN THIS PRESENTATION.</a:t>
-            </a:r>
-          </a:p>
-          <a:p>
-            <a:pPr marL="0" marR="0" lvl="0" indent="0" algn="l" defTabSz="914363" rtl="0" eaLnBrk="1" fontAlgn="auto" latinLnBrk="0" hangingPunct="1">
-              <a:lnSpc>
-                <a:spcPct val="100000"/>
-              </a:lnSpc>
-              <a:spcBef>
-                <a:spcPts val="0"/>
-              </a:spcBef>
-              <a:spcAft>
-                <a:spcPts val="0"/>
-              </a:spcAft>
-              <a:buClrTx/>
-              <a:buSzTx/>
-              <a:buFontTx/>
-              <a:buNone/>
-              <a:tabLst/>
-              <a:defRPr/>
-            </a:pPr>
-            <a:endParaRPr kumimoji="0" lang="en-US" sz="500" b="0" i="0" u="none" strike="noStrike" kern="1200" cap="none" spc="0" normalizeH="0" baseline="0" noProof="0" dirty="0">
-              <a:ln>
-                <a:noFill/>
-              </a:ln>
-              <a:solidFill>
-                <a:schemeClr val="tx1"/>
-              </a:solidFill>
-              <a:effectLst/>
-              <a:uLnTx/>
-              <a:uFillTx/>
-              <a:latin typeface="Segoe" pitchFamily="34" charset="0"/>
-              <a:ea typeface="+mn-ea"/>
-              <a:cs typeface="+mn-cs"/>
-            </a:endParaRPr>
+            <a:endParaRPr lang="en-US" dirty="0"/>
           </a:p>
         </p:txBody>
       </p:sp>
     </p:spTree>
+    <p:extLst>
+      <p:ext uri="{BB962C8B-B14F-4D97-AF65-F5344CB8AC3E}">
+        <p14:creationId xmlns:p14="http://schemas.microsoft.com/office/powerpoint/2010/main" val="1915831808"/>
+      </p:ext>
+    </p:extLst>
   </p:cSld>
   <p:clrMapOvr>
     <a:masterClrMapping/>
@@ -3882,7 +3534,7 @@
             <a:fld id="{8B263312-38AA-4E1E-B2B5-0F8F122B24FE}" type="slidenum">
               <a:rPr lang="en-US" smtClean="0"/>
               <a:pPr/>
-              <a:t>3</a:t>
+              <a:t>11</a:t>
             </a:fld>
             <a:endParaRPr lang="en-US" dirty="0"/>
           </a:p>
@@ -3900,8 +3552,8 @@
         </p:nvSpPr>
         <p:spPr>
           <a:xfrm>
-            <a:off x="685800" y="685800"/>
-            <a:ext cx="5486400" cy="3429000"/>
+            <a:off x="1162050" y="457200"/>
+            <a:ext cx="4483100" cy="2801938"/>
           </a:xfrm>
         </p:spPr>
       </p:sp>
@@ -3928,7 +3580,7 @@
       </p:sp>
       <p:sp>
         <p:nvSpPr>
-          <p:cNvPr id="8" name="Header Placeholder 3"/>
+          <p:cNvPr id="5" name="Header Placeholder 3"/>
           <p:cNvSpPr>
             <a:spLocks noGrp="1"/>
           </p:cNvSpPr>
@@ -3956,7 +3608,7 @@
       </p:sp>
       <p:sp>
         <p:nvSpPr>
-          <p:cNvPr id="9" name="Date Placeholder 4"/>
+          <p:cNvPr id="8" name="Date Placeholder 4"/>
           <p:cNvSpPr>
             <a:spLocks noGrp="1"/>
           </p:cNvSpPr>
@@ -3977,7 +3629,7 @@
             <a:fld id="{81331B57-0BE5-4F82-AA58-76F53EFF3ADA}" type="datetime8">
               <a:rPr lang="en-US" smtClean="0"/>
               <a:pPr/>
-              <a:t>10/25/2011 5:58 PM</a:t>
+              <a:t>10/26/2011 12:30 PM</a:t>
             </a:fld>
             <a:endParaRPr lang="en-US" dirty="0"/>
           </a:p>
@@ -3985,7 +3637,7 @@
       </p:sp>
       <p:sp>
         <p:nvSpPr>
-          <p:cNvPr id="10" name="Footer Placeholder 5"/>
+          <p:cNvPr id="9" name="Footer Placeholder 5"/>
           <p:cNvSpPr>
             <a:spLocks noGrp="1"/>
           </p:cNvSpPr>
@@ -4004,20 +3656,20 @@
           <a:lstStyle/>
           <a:p>
             <a:r>
-              <a:rPr lang="en-US" dirty="0" smtClean="0"/>
+              <a:rPr lang="en-US" smtClean="0"/>
               <a:t>© 2010 Microsoft Corporation. All rights reserved. Microsoft, Windows, Windows Vista and other product names are or may be registered trademarks and/or trademarks in the U.S. and/or other countries.</a:t>
             </a:r>
           </a:p>
           <a:p>
             <a:r>
-              <a:rPr lang="en-US" dirty="0" smtClean="0"/>
+              <a:rPr lang="en-US" smtClean="0"/>
               <a:t>The information herein is for informational purposes only and represents the current view of Microsoft Corporation as of the date of this presentation.  Because Microsoft must respond to changing market conditions, it should not be interpreted to be a commitment on the part of Microsoft, and Microsoft cannot guarantee the accuracy of any information provided after the date of this presentation.  </a:t>
             </a:r>
             <a:br>
-              <a:rPr lang="en-US" dirty="0" smtClean="0"/>
+              <a:rPr lang="en-US" smtClean="0"/>
             </a:br>
             <a:r>
-              <a:rPr lang="en-US" dirty="0" smtClean="0"/>
+              <a:rPr lang="en-US" smtClean="0"/>
               <a:t>MICROSOFT MAKES NO WARRANTIES, EXPRESS, IMPLIED OR STATUTORY, AS TO THE INFORMATION IN THIS PRESENTATION.</a:t>
             </a:r>
           </a:p>
@@ -4079,56 +3731,8 @@
           <a:lstStyle/>
           <a:p>
             <a:r>
-              <a:rPr lang="en-CA" sz="900" kern="1200" dirty="0" smtClean="0">
-                <a:solidFill>
-                  <a:schemeClr val="tx1"/>
-                </a:solidFill>
-                <a:effectLst/>
-                <a:latin typeface="Trebuchet MS" pitchFamily="34" charset="0"/>
-                <a:ea typeface="+mn-ea"/>
-                <a:cs typeface="+mn-cs"/>
-                <a:hlinkClick r:id="rId3"/>
-              </a:rPr>
-              <a:t>http://samples.msdn.microsoft.com/ietestcenter/</a:t>
-            </a:r>
-            <a:r>
-              <a:rPr lang="en-CA" sz="900" kern="1200" dirty="0" smtClean="0">
-                <a:solidFill>
-                  <a:schemeClr val="tx1"/>
-                </a:solidFill>
-                <a:effectLst/>
-                <a:latin typeface="Trebuchet MS" pitchFamily="34" charset="0"/>
-                <a:ea typeface="+mn-ea"/>
-                <a:cs typeface="+mn-cs"/>
-              </a:rPr>
-              <a:t> </a:t>
-            </a:r>
-          </a:p>
-          <a:p>
-            <a:r>
-              <a:rPr lang="en-CA" sz="900" kern="1200" dirty="0" smtClean="0">
-                <a:solidFill>
-                  <a:schemeClr val="tx1"/>
-                </a:solidFill>
-                <a:effectLst/>
-                <a:latin typeface="Trebuchet MS" pitchFamily="34" charset="0"/>
-                <a:ea typeface="+mn-ea"/>
-                <a:cs typeface="+mn-cs"/>
-                <a:hlinkClick r:id="rId4"/>
-              </a:rPr>
-              <a:t>http://caniuse.com/</a:t>
-            </a:r>
-            <a:r>
-              <a:rPr lang="en-CA" sz="900" kern="1200" dirty="0" smtClean="0">
-                <a:solidFill>
-                  <a:schemeClr val="tx1"/>
-                </a:solidFill>
-                <a:effectLst/>
-                <a:latin typeface="Trebuchet MS" pitchFamily="34" charset="0"/>
-                <a:ea typeface="+mn-ea"/>
-                <a:cs typeface="+mn-cs"/>
-              </a:rPr>
-              <a:t> </a:t>
+              <a:rPr lang="en-CA" dirty="0" smtClean="0"/>
+              <a:t>DO NOT REMOVE THIS SLIDE</a:t>
             </a:r>
             <a:endParaRPr lang="en-CA" dirty="0"/>
           </a:p>
@@ -4152,7 +3756,7 @@
             <a:fld id="{8B263312-38AA-4E1E-B2B5-0F8F122B24FE}" type="slidenum">
               <a:rPr lang="en-US" smtClean="0"/>
               <a:pPr/>
-              <a:t>9</a:t>
+              <a:t>26</a:t>
             </a:fld>
             <a:endParaRPr lang="en-US" dirty="0"/>
           </a:p>
@@ -4161,7 +3765,7 @@
     </p:spTree>
     <p:extLst>
       <p:ext uri="{BB962C8B-B14F-4D97-AF65-F5344CB8AC3E}">
-        <p14:creationId xmlns:p14="http://schemas.microsoft.com/office/powerpoint/2010/main" val="1915831808"/>
+        <p14:creationId xmlns:p14="http://schemas.microsoft.com/office/powerpoint/2010/main" val="1706125533"/>
       </p:ext>
     </p:extLst>
   </p:cSld>
@@ -4190,6 +3794,41 @@
       </p:grpSpPr>
       <p:sp>
         <p:nvSpPr>
+          <p:cNvPr id="2" name="Slide Image Placeholder 1"/>
+          <p:cNvSpPr>
+            <a:spLocks noGrp="1" noRot="1" noChangeAspect="1"/>
+          </p:cNvSpPr>
+          <p:nvPr>
+            <p:ph type="sldImg"/>
+          </p:nvPr>
+        </p:nvSpPr>
+        <p:spPr/>
+      </p:sp>
+      <p:sp>
+        <p:nvSpPr>
+          <p:cNvPr id="3" name="Notes Placeholder 2"/>
+          <p:cNvSpPr>
+            <a:spLocks noGrp="1"/>
+          </p:cNvSpPr>
+          <p:nvPr>
+            <p:ph type="body" idx="1"/>
+          </p:nvPr>
+        </p:nvSpPr>
+        <p:spPr/>
+        <p:txBody>
+          <a:bodyPr/>
+          <a:lstStyle/>
+          <a:p>
+            <a:r>
+              <a:rPr lang="en-CA" dirty="0" smtClean="0"/>
+              <a:t>DO NOT REMOVE THIS SLIDE</a:t>
+            </a:r>
+            <a:endParaRPr lang="en-CA" dirty="0"/>
+          </a:p>
+        </p:txBody>
+      </p:sp>
+      <p:sp>
+        <p:nvSpPr>
           <p:cNvPr id="4" name="Slide Number Placeholder 3"/>
           <p:cNvSpPr>
             <a:spLocks noGrp="1"/>
@@ -4206,151 +3845,18 @@
             <a:fld id="{8B263312-38AA-4E1E-B2B5-0F8F122B24FE}" type="slidenum">
               <a:rPr lang="en-US" smtClean="0"/>
               <a:pPr/>
-              <a:t>13</a:t>
+              <a:t>27</a:t>
             </a:fld>
-            <a:endParaRPr lang="en-US" dirty="0"/>
-          </a:p>
-        </p:txBody>
-      </p:sp>
-      <p:sp>
-        <p:nvSpPr>
-          <p:cNvPr id="6" name="Slide Image Placeholder 5"/>
-          <p:cNvSpPr>
-            <a:spLocks noGrp="1" noRot="1" noChangeAspect="1"/>
-          </p:cNvSpPr>
-          <p:nvPr>
-            <p:ph type="sldImg"/>
-          </p:nvPr>
-        </p:nvSpPr>
-        <p:spPr>
-          <a:xfrm>
-            <a:off x="1162050" y="457200"/>
-            <a:ext cx="4483100" cy="2801938"/>
-          </a:xfrm>
-        </p:spPr>
-      </p:sp>
-      <p:sp>
-        <p:nvSpPr>
-          <p:cNvPr id="7" name="Notes Placeholder 6"/>
-          <p:cNvSpPr>
-            <a:spLocks noGrp="1"/>
-          </p:cNvSpPr>
-          <p:nvPr>
-            <p:ph type="body" idx="1"/>
-          </p:nvPr>
-        </p:nvSpPr>
-        <p:spPr/>
-        <p:txBody>
-          <a:bodyPr>
-            <a:normAutofit/>
-          </a:bodyPr>
-          <a:lstStyle/>
-          <a:p>
-            <a:endParaRPr lang="en-US"/>
-          </a:p>
-        </p:txBody>
-      </p:sp>
-      <p:sp>
-        <p:nvSpPr>
-          <p:cNvPr id="5" name="Header Placeholder 3"/>
-          <p:cNvSpPr>
-            <a:spLocks noGrp="1"/>
-          </p:cNvSpPr>
-          <p:nvPr>
-            <p:ph type="hdr" sz="quarter"/>
-          </p:nvPr>
-        </p:nvSpPr>
-        <p:spPr>
-          <a:xfrm>
-            <a:off x="0" y="0"/>
-            <a:ext cx="2971800" cy="457200"/>
-          </a:xfrm>
-        </p:spPr>
-        <p:txBody>
-          <a:bodyPr/>
-          <a:lstStyle/>
-          <a:p>
-            <a:r>
-              <a:rPr lang="en-US" dirty="0" smtClean="0"/>
-              <a:t>Tech Ed North America 2010</a:t>
-            </a:r>
-            <a:endParaRPr lang="en-US" dirty="0"/>
-          </a:p>
-        </p:txBody>
-      </p:sp>
-      <p:sp>
-        <p:nvSpPr>
-          <p:cNvPr id="8" name="Date Placeholder 4"/>
-          <p:cNvSpPr>
-            <a:spLocks noGrp="1"/>
-          </p:cNvSpPr>
-          <p:nvPr>
-            <p:ph type="dt" idx="1"/>
-          </p:nvPr>
-        </p:nvSpPr>
-        <p:spPr>
-          <a:xfrm>
-            <a:off x="3884613" y="0"/>
-            <a:ext cx="2971800" cy="457200"/>
-          </a:xfrm>
-        </p:spPr>
-        <p:txBody>
-          <a:bodyPr/>
-          <a:lstStyle/>
-          <a:p>
-            <a:fld id="{81331B57-0BE5-4F82-AA58-76F53EFF3ADA}" type="datetime8">
-              <a:rPr lang="en-US" smtClean="0"/>
-              <a:pPr/>
-              <a:t>10/25/2011 5:58 PM</a:t>
-            </a:fld>
-            <a:endParaRPr lang="en-US" dirty="0"/>
-          </a:p>
-        </p:txBody>
-      </p:sp>
-      <p:sp>
-        <p:nvSpPr>
-          <p:cNvPr id="9" name="Footer Placeholder 5"/>
-          <p:cNvSpPr>
-            <a:spLocks noGrp="1"/>
-          </p:cNvSpPr>
-          <p:nvPr>
-            <p:ph type="ftr" sz="quarter" idx="4"/>
-          </p:nvPr>
-        </p:nvSpPr>
-        <p:spPr>
-          <a:xfrm>
-            <a:off x="0" y="8685213"/>
-            <a:ext cx="6172200" cy="457200"/>
-          </a:xfrm>
-        </p:spPr>
-        <p:txBody>
-          <a:bodyPr/>
-          <a:lstStyle/>
-          <a:p>
-            <a:r>
-              <a:rPr lang="en-US" smtClean="0"/>
-              <a:t>© 2010 Microsoft Corporation. All rights reserved. Microsoft, Windows, Windows Vista and other product names are or may be registered trademarks and/or trademarks in the U.S. and/or other countries.</a:t>
-            </a:r>
-          </a:p>
-          <a:p>
-            <a:r>
-              <a:rPr lang="en-US" smtClean="0"/>
-              <a:t>The information herein is for informational purposes only and represents the current view of Microsoft Corporation as of the date of this presentation.  Because Microsoft must respond to changing market conditions, it should not be interpreted to be a commitment on the part of Microsoft, and Microsoft cannot guarantee the accuracy of any information provided after the date of this presentation.  </a:t>
-            </a:r>
-            <a:br>
-              <a:rPr lang="en-US" smtClean="0"/>
-            </a:br>
-            <a:r>
-              <a:rPr lang="en-US" smtClean="0"/>
-              <a:t>MICROSOFT MAKES NO WARRANTIES, EXPRESS, IMPLIED OR STATUTORY, AS TO THE INFORMATION IN THIS PRESENTATION.</a:t>
-            </a:r>
-          </a:p>
-          <a:p>
             <a:endParaRPr lang="en-US" dirty="0"/>
           </a:p>
         </p:txBody>
       </p:sp>
     </p:spTree>
+    <p:extLst>
+      <p:ext uri="{BB962C8B-B14F-4D97-AF65-F5344CB8AC3E}">
+        <p14:creationId xmlns:p14="http://schemas.microsoft.com/office/powerpoint/2010/main" val="4195393015"/>
+      </p:ext>
+    </p:extLst>
   </p:cSld>
   <p:clrMapOvr>
     <a:masterClrMapping/>
@@ -4404,7 +3910,11 @@
           <a:p>
             <a:r>
               <a:rPr lang="en-CA" dirty="0" smtClean="0"/>
-              <a:t>DO NOT REMOVE THIS SLIDE</a:t>
+              <a:t>DO</a:t>
+            </a:r>
+            <a:r>
+              <a:rPr lang="en-CA" baseline="0" dirty="0" smtClean="0"/>
+              <a:t> NOT REMOVE THIS SLIDE</a:t>
             </a:r>
             <a:endParaRPr lang="en-CA" dirty="0"/>
           </a:p>
@@ -4429,188 +3939,6 @@
               <a:rPr lang="en-US" smtClean="0"/>
               <a:pPr/>
               <a:t>28</a:t>
-            </a:fld>
-            <a:endParaRPr lang="en-US" dirty="0"/>
-          </a:p>
-        </p:txBody>
-      </p:sp>
-    </p:spTree>
-    <p:extLst>
-      <p:ext uri="{BB962C8B-B14F-4D97-AF65-F5344CB8AC3E}">
-        <p14:creationId xmlns:p14="http://schemas.microsoft.com/office/powerpoint/2010/main" val="1706125533"/>
-      </p:ext>
-    </p:extLst>
-  </p:cSld>
-  <p:clrMapOvr>
-    <a:masterClrMapping/>
-  </p:clrMapOvr>
-</p:notes>
-</file>
-
-<file path=ppt/notesSlides/notesSlide6.xml><?xml version="1.0" encoding="utf-8"?>
-<p:notes xmlns:a="http://schemas.openxmlformats.org/drawingml/2006/main" xmlns:r="http://schemas.openxmlformats.org/officeDocument/2006/relationships" xmlns:p="http://schemas.openxmlformats.org/presentationml/2006/main">
-  <p:cSld>
-    <p:spTree>
-      <p:nvGrpSpPr>
-        <p:cNvPr id="1" name=""/>
-        <p:cNvGrpSpPr/>
-        <p:nvPr/>
-      </p:nvGrpSpPr>
-      <p:grpSpPr>
-        <a:xfrm>
-          <a:off x="0" y="0"/>
-          <a:ext cx="0" cy="0"/>
-          <a:chOff x="0" y="0"/>
-          <a:chExt cx="0" cy="0"/>
-        </a:xfrm>
-      </p:grpSpPr>
-      <p:sp>
-        <p:nvSpPr>
-          <p:cNvPr id="2" name="Slide Image Placeholder 1"/>
-          <p:cNvSpPr>
-            <a:spLocks noGrp="1" noRot="1" noChangeAspect="1"/>
-          </p:cNvSpPr>
-          <p:nvPr>
-            <p:ph type="sldImg"/>
-          </p:nvPr>
-        </p:nvSpPr>
-        <p:spPr/>
-      </p:sp>
-      <p:sp>
-        <p:nvSpPr>
-          <p:cNvPr id="3" name="Notes Placeholder 2"/>
-          <p:cNvSpPr>
-            <a:spLocks noGrp="1"/>
-          </p:cNvSpPr>
-          <p:nvPr>
-            <p:ph type="body" idx="1"/>
-          </p:nvPr>
-        </p:nvSpPr>
-        <p:spPr/>
-        <p:txBody>
-          <a:bodyPr/>
-          <a:lstStyle/>
-          <a:p>
-            <a:r>
-              <a:rPr lang="en-CA" dirty="0" smtClean="0"/>
-              <a:t>DO NOT REMOVE THIS SLIDE</a:t>
-            </a:r>
-            <a:endParaRPr lang="en-CA" dirty="0"/>
-          </a:p>
-        </p:txBody>
-      </p:sp>
-      <p:sp>
-        <p:nvSpPr>
-          <p:cNvPr id="4" name="Slide Number Placeholder 3"/>
-          <p:cNvSpPr>
-            <a:spLocks noGrp="1"/>
-          </p:cNvSpPr>
-          <p:nvPr>
-            <p:ph type="sldNum" sz="quarter" idx="10"/>
-          </p:nvPr>
-        </p:nvSpPr>
-        <p:spPr/>
-        <p:txBody>
-          <a:bodyPr/>
-          <a:lstStyle/>
-          <a:p>
-            <a:fld id="{8B263312-38AA-4E1E-B2B5-0F8F122B24FE}" type="slidenum">
-              <a:rPr lang="en-US" smtClean="0"/>
-              <a:pPr/>
-              <a:t>29</a:t>
-            </a:fld>
-            <a:endParaRPr lang="en-US" dirty="0"/>
-          </a:p>
-        </p:txBody>
-      </p:sp>
-    </p:spTree>
-    <p:extLst>
-      <p:ext uri="{BB962C8B-B14F-4D97-AF65-F5344CB8AC3E}">
-        <p14:creationId xmlns:p14="http://schemas.microsoft.com/office/powerpoint/2010/main" val="4195393015"/>
-      </p:ext>
-    </p:extLst>
-  </p:cSld>
-  <p:clrMapOvr>
-    <a:masterClrMapping/>
-  </p:clrMapOvr>
-</p:notes>
-</file>
-
-<file path=ppt/notesSlides/notesSlide7.xml><?xml version="1.0" encoding="utf-8"?>
-<p:notes xmlns:a="http://schemas.openxmlformats.org/drawingml/2006/main" xmlns:r="http://schemas.openxmlformats.org/officeDocument/2006/relationships" xmlns:p="http://schemas.openxmlformats.org/presentationml/2006/main">
-  <p:cSld>
-    <p:spTree>
-      <p:nvGrpSpPr>
-        <p:cNvPr id="1" name=""/>
-        <p:cNvGrpSpPr/>
-        <p:nvPr/>
-      </p:nvGrpSpPr>
-      <p:grpSpPr>
-        <a:xfrm>
-          <a:off x="0" y="0"/>
-          <a:ext cx="0" cy="0"/>
-          <a:chOff x="0" y="0"/>
-          <a:chExt cx="0" cy="0"/>
-        </a:xfrm>
-      </p:grpSpPr>
-      <p:sp>
-        <p:nvSpPr>
-          <p:cNvPr id="2" name="Slide Image Placeholder 1"/>
-          <p:cNvSpPr>
-            <a:spLocks noGrp="1" noRot="1" noChangeAspect="1"/>
-          </p:cNvSpPr>
-          <p:nvPr>
-            <p:ph type="sldImg"/>
-          </p:nvPr>
-        </p:nvSpPr>
-        <p:spPr/>
-      </p:sp>
-      <p:sp>
-        <p:nvSpPr>
-          <p:cNvPr id="3" name="Notes Placeholder 2"/>
-          <p:cNvSpPr>
-            <a:spLocks noGrp="1"/>
-          </p:cNvSpPr>
-          <p:nvPr>
-            <p:ph type="body" idx="1"/>
-          </p:nvPr>
-        </p:nvSpPr>
-        <p:spPr/>
-        <p:txBody>
-          <a:bodyPr/>
-          <a:lstStyle/>
-          <a:p>
-            <a:r>
-              <a:rPr lang="en-CA" dirty="0" smtClean="0"/>
-              <a:t>DO</a:t>
-            </a:r>
-            <a:r>
-              <a:rPr lang="en-CA" baseline="0" dirty="0" smtClean="0"/>
-              <a:t> NOT REMOVE THIS SLIDE</a:t>
-            </a:r>
-            <a:endParaRPr lang="en-CA" dirty="0"/>
-          </a:p>
-        </p:txBody>
-      </p:sp>
-      <p:sp>
-        <p:nvSpPr>
-          <p:cNvPr id="4" name="Slide Number Placeholder 3"/>
-          <p:cNvSpPr>
-            <a:spLocks noGrp="1"/>
-          </p:cNvSpPr>
-          <p:nvPr>
-            <p:ph type="sldNum" sz="quarter" idx="10"/>
-          </p:nvPr>
-        </p:nvSpPr>
-        <p:spPr/>
-        <p:txBody>
-          <a:bodyPr/>
-          <a:lstStyle/>
-          <a:p>
-            <a:fld id="{8B263312-38AA-4E1E-B2B5-0F8F122B24FE}" type="slidenum">
-              <a:rPr lang="en-US" smtClean="0"/>
-              <a:pPr/>
-              <a:t>30</a:t>
             </a:fld>
             <a:endParaRPr lang="en-US" dirty="0"/>
           </a:p>
@@ -4836,187 +4164,6 @@
   <p:clrMapOvr>
     <a:masterClrMapping/>
   </p:clrMapOvr>
-  <p:timing>
-    <p:tnLst>
-      <p:par>
-        <p:cTn id="1" dur="indefinite" restart="never" nodeType="tmRoot"/>
-      </p:par>
-    </p:tnLst>
-  </p:timing>
-</p:sldLayout>
-</file>
-
-<file path=ppt/slideLayouts/slideLayout10.xml><?xml version="1.0" encoding="utf-8"?>
-<p:sldLayout xmlns:a="http://schemas.openxmlformats.org/drawingml/2006/main" xmlns:r="http://schemas.openxmlformats.org/officeDocument/2006/relationships" xmlns:p="http://schemas.openxmlformats.org/presentationml/2006/main" preserve="1" userDrawn="1">
-  <p:cSld name="Microsoft">
-    <p:spTree>
-      <p:nvGrpSpPr>
-        <p:cNvPr id="1" name=""/>
-        <p:cNvGrpSpPr/>
-        <p:nvPr/>
-      </p:nvGrpSpPr>
-      <p:grpSpPr>
-        <a:xfrm>
-          <a:off x="0" y="0"/>
-          <a:ext cx="0" cy="0"/>
-          <a:chOff x="0" y="0"/>
-          <a:chExt cx="0" cy="0"/>
-        </a:xfrm>
-      </p:grpSpPr>
-      <p:pic>
-        <p:nvPicPr>
-          <p:cNvPr id="3" name="Picture 4" descr="https://mediabank.partners.extranet.microsoft.com/Assets/Active/_Microsoft_Brand/Microsoft_Business_Identity/Logos+Logotypes/Microsoft_Logo/ms-logo_bL.png"/>
-          <p:cNvPicPr>
-            <a:picLocks noChangeAspect="1" noChangeArrowheads="1"/>
-          </p:cNvPicPr>
-          <p:nvPr userDrawn="1"/>
-        </p:nvPicPr>
-        <p:blipFill>
-          <a:blip r:embed="rId2">
-            <a:extLst>
-              <a:ext uri="{28A0092B-C50C-407E-A947-70E740481C1C}">
-                <a14:useLocalDpi xmlns:a14="http://schemas.microsoft.com/office/drawing/2010/main" val="0"/>
-              </a:ext>
-            </a:extLst>
-          </a:blip>
-          <a:srcRect/>
-          <a:stretch>
-            <a:fillRect/>
-          </a:stretch>
-        </p:blipFill>
-        <p:spPr bwMode="auto">
-          <a:xfrm>
-            <a:off x="2412000" y="2505800"/>
-            <a:ext cx="4320000" cy="703401"/>
-          </a:xfrm>
-          <a:prstGeom prst="rect">
-            <a:avLst/>
-          </a:prstGeom>
-          <a:noFill/>
-          <a:extLst>
-            <a:ext uri="{909E8E84-426E-40DD-AFC4-6F175D3DCCD1}">
-              <a14:hiddenFill xmlns:a14="http://schemas.microsoft.com/office/drawing/2010/main">
-                <a:solidFill>
-                  <a:srgbClr val="FFFFFF"/>
-                </a:solidFill>
-              </a14:hiddenFill>
-            </a:ext>
-          </a:extLst>
-        </p:spPr>
-      </p:pic>
-      <p:sp>
-        <p:nvSpPr>
-          <p:cNvPr id="4" name="Text Box 3"/>
-          <p:cNvSpPr txBox="1">
-            <a:spLocks noChangeArrowheads="1"/>
-          </p:cNvSpPr>
-          <p:nvPr userDrawn="1"/>
-        </p:nvSpPr>
-        <p:spPr bwMode="blackWhite">
-          <a:xfrm>
-            <a:off x="72000" y="5191794"/>
-            <a:ext cx="9000000" cy="523206"/>
-          </a:xfrm>
-          <a:prstGeom prst="rect">
-            <a:avLst/>
-          </a:prstGeom>
-          <a:noFill/>
-          <a:ln w="12700">
-            <a:noFill/>
-            <a:miter lim="800000"/>
-            <a:headEnd type="none" w="sm" len="sm"/>
-            <a:tailEnd type="none" w="sm" len="sm"/>
-          </a:ln>
-          <a:effectLst/>
-        </p:spPr>
-        <p:txBody>
-          <a:bodyPr vert="horz" wrap="square" lIns="91425" tIns="45713" rIns="91425" bIns="45713" numCol="1" anchor="t" anchorCtr="0" compatLnSpc="1">
-            <a:prstTxWarp prst="textNoShape">
-              <a:avLst/>
-            </a:prstTxWarp>
-            <a:spAutoFit/>
-          </a:bodyPr>
-          <a:lstStyle/>
-          <a:p>
-            <a:pPr algn="ctr" defTabSz="914099" eaLnBrk="0" hangingPunct="0"/>
-            <a:r>
-              <a:rPr lang="en-US" sz="700" dirty="0">
-                <a:solidFill>
-                  <a:srgbClr val="1F497D"/>
-                </a:solidFill>
-                <a:latin typeface="Segoe UI" pitchFamily="34" charset="0"/>
-                <a:cs typeface="Arial" charset="0"/>
-              </a:rPr>
-              <a:t>© </a:t>
-            </a:r>
-            <a:r>
-              <a:rPr lang="en-US" sz="700" dirty="0" smtClean="0">
-                <a:solidFill>
-                  <a:srgbClr val="1F497D"/>
-                </a:solidFill>
-                <a:latin typeface="Segoe UI" pitchFamily="34" charset="0"/>
-                <a:cs typeface="Arial" charset="0"/>
-              </a:rPr>
-              <a:t>2011 Microsoft </a:t>
-            </a:r>
-            <a:r>
-              <a:rPr lang="en-US" sz="700" dirty="0">
-                <a:solidFill>
-                  <a:srgbClr val="1F497D"/>
-                </a:solidFill>
-                <a:latin typeface="Segoe UI" pitchFamily="34" charset="0"/>
-                <a:cs typeface="Arial" charset="0"/>
-              </a:rPr>
-              <a:t>Corporation. All rights reserved. Microsoft, Windows, Windows Vista and other product names are or may be registered trademarks and/or trademarks in the U.S. and/or other countries.</a:t>
-            </a:r>
-          </a:p>
-          <a:p>
-            <a:pPr algn="ctr" defTabSz="914099" eaLnBrk="0" hangingPunct="0"/>
-            <a:r>
-              <a:rPr lang="en-US" sz="700" dirty="0">
-                <a:solidFill>
-                  <a:srgbClr val="1F497D"/>
-                </a:solidFill>
-                <a:latin typeface="Segoe UI" pitchFamily="34" charset="0"/>
-                <a:cs typeface="Arial" charset="0"/>
-              </a:rPr>
-              <a:t>The information herein is for informational purposes only and represents the current view of Microsoft Corporation as of the date of this presentation.  Because Microsoft must respond to changing market conditions, it should not be interpreted to be a commitment on the part of Microsoft, and Microsoft cannot guarantee the accuracy of any information provided after the date of this presentation.  </a:t>
-            </a:r>
-            <a:br>
-              <a:rPr lang="en-US" sz="700" dirty="0">
-                <a:solidFill>
-                  <a:srgbClr val="1F497D"/>
-                </a:solidFill>
-                <a:latin typeface="Segoe UI" pitchFamily="34" charset="0"/>
-                <a:cs typeface="Arial" charset="0"/>
-              </a:rPr>
-            </a:br>
-            <a:r>
-              <a:rPr lang="en-US" sz="700" dirty="0">
-                <a:solidFill>
-                  <a:srgbClr val="1F497D"/>
-                </a:solidFill>
-                <a:latin typeface="Segoe UI" pitchFamily="34" charset="0"/>
-                <a:cs typeface="Arial" charset="0"/>
-              </a:rPr>
-              <a:t>MICROSOFT MAKES NO WARRANTIES, EXPRESS, IMPLIED OR STATUTORY, AS TO THE INFORMATION IN THIS PRESENTATION.</a:t>
-            </a:r>
-          </a:p>
-        </p:txBody>
-      </p:sp>
-    </p:spTree>
-    <p:extLst>
-      <p:ext uri="{BB962C8B-B14F-4D97-AF65-F5344CB8AC3E}">
-        <p14:creationId xmlns:p14="http://schemas.microsoft.com/office/powerpoint/2010/main" val="3236367397"/>
-      </p:ext>
-    </p:extLst>
-  </p:cSld>
-  <p:clrMapOvr>
-    <a:masterClrMapping/>
-  </p:clrMapOvr>
-  <p:transition>
-    <p:fade/>
-  </p:transition>
   <p:timing>
     <p:tnLst>
       <p:par>
@@ -6127,19 +5274,8 @@
 </file>
 
 <file path=ppt/slideLayouts/slideLayout9.xml><?xml version="1.0" encoding="utf-8"?>
-<p:sldLayout xmlns:a="http://schemas.openxmlformats.org/drawingml/2006/main" xmlns:r="http://schemas.openxmlformats.org/officeDocument/2006/relationships" xmlns:p="http://schemas.openxmlformats.org/presentationml/2006/main">
-  <p:cSld name="Black Layout - Title and Content">
-    <p:bg bwMode="black">
-      <p:bgPr>
-        <a:solidFill>
-          <a:schemeClr val="tx1">
-            <a:lumMod val="50000"/>
-            <a:lumOff val="50000"/>
-          </a:schemeClr>
-        </a:solidFill>
-        <a:effectLst/>
-      </p:bgPr>
-    </p:bg>
+<p:sldLayout xmlns:a="http://schemas.openxmlformats.org/drawingml/2006/main" xmlns:r="http://schemas.openxmlformats.org/officeDocument/2006/relationships" xmlns:p="http://schemas.openxmlformats.org/presentationml/2006/main" preserve="1" userDrawn="1">
+  <p:cSld name="Microsoft">
     <p:spTree>
       <p:nvGrpSpPr>
         <p:cNvPr id="1" name=""/>
@@ -6154,244 +5290,151 @@
           <a:chExt cx="0" cy="0"/>
         </a:xfrm>
       </p:grpSpPr>
-      <p:sp>
-        <p:nvSpPr>
-          <p:cNvPr id="2" name="Title 1"/>
-          <p:cNvSpPr>
-            <a:spLocks noGrp="1"/>
-          </p:cNvSpPr>
-          <p:nvPr>
-            <p:ph type="title" hasCustomPrompt="1"/>
-          </p:nvPr>
-        </p:nvSpPr>
-        <p:spPr bwMode="white">
+      <p:pic>
+        <p:nvPicPr>
+          <p:cNvPr id="3" name="Picture 4" descr="https://mediabank.partners.extranet.microsoft.com/Assets/Active/_Microsoft_Brand/Microsoft_Business_Identity/Logos+Logotypes/Microsoft_Logo/ms-logo_bL.png"/>
+          <p:cNvPicPr>
+            <a:picLocks noChangeAspect="1" noChangeArrowheads="1"/>
+          </p:cNvPicPr>
+          <p:nvPr userDrawn="1"/>
+        </p:nvPicPr>
+        <p:blipFill>
+          <a:blip r:embed="rId2">
+            <a:extLst>
+              <a:ext uri="{28A0092B-C50C-407E-A947-70E740481C1C}">
+                <a14:useLocalDpi xmlns:a14="http://schemas.microsoft.com/office/drawing/2010/main" val="0"/>
+              </a:ext>
+            </a:extLst>
+          </a:blip>
+          <a:srcRect/>
+          <a:stretch>
+            <a:fillRect/>
+          </a:stretch>
+        </p:blipFill>
+        <p:spPr bwMode="auto">
           <a:xfrm>
-            <a:off x="381000" y="261700"/>
-            <a:ext cx="8381901" cy="795600"/>
+            <a:off x="2412000" y="2505800"/>
+            <a:ext cx="4320000" cy="703401"/>
           </a:xfrm>
           <a:prstGeom prst="rect">
             <a:avLst/>
           </a:prstGeom>
+          <a:noFill/>
+          <a:extLst>
+            <a:ext uri="{909E8E84-426E-40DD-AFC4-6F175D3DCCD1}">
+              <a14:hiddenFill xmlns:a14="http://schemas.microsoft.com/office/drawing/2010/main">
+                <a:solidFill>
+                  <a:srgbClr val="FFFFFF"/>
+                </a:solidFill>
+              </a14:hiddenFill>
+            </a:ext>
+          </a:extLst>
         </p:spPr>
-        <p:txBody>
-          <a:bodyPr lIns="71332" tIns="35666" rIns="71332" bIns="35666"/>
-          <a:lstStyle>
-            <a:lvl1pPr algn="l">
-              <a:defRPr spc="-150">
-                <a:gradFill flip="none" rotWithShape="1">
-                  <a:gsLst>
-                    <a:gs pos="0">
-                      <a:srgbClr val="FFFFFF"/>
-                    </a:gs>
-                    <a:gs pos="100000">
-                      <a:srgbClr val="FFFFFF"/>
-                    </a:gs>
-                  </a:gsLst>
-                  <a:lin ang="5400000" scaled="0"/>
-                  <a:tileRect/>
-                </a:gradFill>
-                <a:latin typeface="Segoe UI" pitchFamily="34" charset="0"/>
-                <a:ea typeface="Segoe UI" pitchFamily="34" charset="0"/>
-                <a:cs typeface="Segoe UI" pitchFamily="34" charset="0"/>
-              </a:defRPr>
-            </a:lvl1pPr>
-          </a:lstStyle>
-          <a:p>
-            <a:r>
-              <a:rPr lang="en-US" dirty="0" smtClean="0"/>
-              <a:t>click to edit master title style</a:t>
-            </a:r>
-            <a:endParaRPr lang="en-US" dirty="0"/>
-          </a:p>
-        </p:txBody>
-      </p:sp>
+      </p:pic>
       <p:sp>
         <p:nvSpPr>
-          <p:cNvPr id="6" name="Text Placeholder 5"/>
-          <p:cNvSpPr>
-            <a:spLocks noGrp="1"/>
+          <p:cNvPr id="4" name="Text Box 3"/>
+          <p:cNvSpPr txBox="1">
+            <a:spLocks noChangeArrowheads="1"/>
           </p:cNvSpPr>
-          <p:nvPr>
-            <p:ph type="body" sz="quarter" idx="10"/>
-          </p:nvPr>
+          <p:nvPr userDrawn="1"/>
         </p:nvSpPr>
-        <p:spPr bwMode="white">
+        <p:spPr bwMode="blackWhite">
           <a:xfrm>
-            <a:off x="381000" y="1259388"/>
-            <a:ext cx="8382000" cy="4190400"/>
+            <a:off x="72000" y="5191794"/>
+            <a:ext cx="9000000" cy="523206"/>
           </a:xfrm>
           <a:prstGeom prst="rect">
             <a:avLst/>
           </a:prstGeom>
+          <a:noFill/>
+          <a:ln w="12700">
+            <a:noFill/>
+            <a:miter lim="800000"/>
+            <a:headEnd type="none" w="sm" len="sm"/>
+            <a:tailEnd type="none" w="sm" len="sm"/>
+          </a:ln>
+          <a:effectLst/>
         </p:spPr>
         <p:txBody>
-          <a:bodyPr lIns="71332" tIns="35666" rIns="71332" bIns="35666">
-            <a:normAutofit/>
+          <a:bodyPr vert="horz" wrap="square" lIns="91425" tIns="45713" rIns="91425" bIns="45713" numCol="1" anchor="t" anchorCtr="0" compatLnSpc="1">
+            <a:prstTxWarp prst="textNoShape">
+              <a:avLst/>
+            </a:prstTxWarp>
+            <a:spAutoFit/>
           </a:bodyPr>
-          <a:lstStyle>
-            <a:lvl1pPr>
-              <a:buClr>
-                <a:srgbClr val="FFFFFF"/>
-              </a:buClr>
-              <a:buSzPct val="70000"/>
-              <a:buFont typeface="Wingdings" pitchFamily="2" charset="2"/>
-              <a:buChar char="l"/>
-              <a:defRPr spc="-150">
-                <a:gradFill>
-                  <a:gsLst>
-                    <a:gs pos="0">
-                      <a:srgbClr val="FFFFFF"/>
-                    </a:gs>
-                    <a:gs pos="86000">
-                      <a:srgbClr val="FFFFFF"/>
-                    </a:gs>
-                  </a:gsLst>
-                  <a:lin ang="5400000" scaled="0"/>
-                </a:gradFill>
-                <a:latin typeface="Segoe WP SemiLight" pitchFamily="34" charset="0"/>
-                <a:ea typeface="Segoe UI" pitchFamily="34" charset="0"/>
-                <a:cs typeface="Segoe UI" pitchFamily="34" charset="0"/>
-              </a:defRPr>
-            </a:lvl1pPr>
-            <a:lvl2pPr>
-              <a:buClr>
-                <a:srgbClr val="FFFFFF"/>
-              </a:buClr>
-              <a:buSzPct val="70000"/>
-              <a:buFont typeface="Wingdings" pitchFamily="2" charset="2"/>
-              <a:buChar char="l"/>
-              <a:defRPr spc="-150">
-                <a:gradFill>
-                  <a:gsLst>
-                    <a:gs pos="0">
-                      <a:srgbClr val="FFFFFF"/>
-                    </a:gs>
-                    <a:gs pos="86000">
-                      <a:srgbClr val="FFFFFF"/>
-                    </a:gs>
-                  </a:gsLst>
-                  <a:lin ang="5400000" scaled="0"/>
-                </a:gradFill>
+          <a:lstStyle/>
+          <a:p>
+            <a:pPr algn="ctr" defTabSz="914099" eaLnBrk="0" hangingPunct="0"/>
+            <a:r>
+              <a:rPr lang="en-US" sz="700" dirty="0">
+                <a:solidFill>
+                  <a:srgbClr val="1F497D"/>
+                </a:solidFill>
                 <a:latin typeface="Segoe UI" pitchFamily="34" charset="0"/>
-                <a:ea typeface="Segoe UI" pitchFamily="34" charset="0"/>
-                <a:cs typeface="Segoe UI" pitchFamily="34" charset="0"/>
-              </a:defRPr>
-            </a:lvl2pPr>
-            <a:lvl3pPr>
-              <a:buClr>
-                <a:srgbClr val="FFFFFF"/>
-              </a:buClr>
-              <a:buSzPct val="70000"/>
-              <a:buFont typeface="Wingdings" pitchFamily="2" charset="2"/>
-              <a:buChar char="l"/>
-              <a:defRPr spc="-150">
-                <a:gradFill>
-                  <a:gsLst>
-                    <a:gs pos="0">
-                      <a:srgbClr val="FFFFFF"/>
-                    </a:gs>
-                    <a:gs pos="86000">
-                      <a:srgbClr val="FFFFFF"/>
-                    </a:gs>
-                  </a:gsLst>
-                  <a:lin ang="5400000" scaled="0"/>
-                </a:gradFill>
-                <a:latin typeface="Segoe WP SemiLight" pitchFamily="34" charset="0"/>
-                <a:ea typeface="Segoe UI" pitchFamily="34" charset="0"/>
-                <a:cs typeface="Segoe UI" pitchFamily="34" charset="0"/>
-              </a:defRPr>
-            </a:lvl3pPr>
-            <a:lvl4pPr>
-              <a:buClr>
-                <a:srgbClr val="FFFFFF"/>
-              </a:buClr>
-              <a:buSzPct val="70000"/>
-              <a:buFont typeface="Wingdings" pitchFamily="2" charset="2"/>
-              <a:buChar char="l"/>
-              <a:defRPr spc="-150">
-                <a:gradFill>
-                  <a:gsLst>
-                    <a:gs pos="0">
-                      <a:srgbClr val="FFFFFF"/>
-                    </a:gs>
-                    <a:gs pos="86000">
-                      <a:srgbClr val="FFFFFF"/>
-                    </a:gs>
-                  </a:gsLst>
-                  <a:lin ang="5400000" scaled="0"/>
-                </a:gradFill>
-                <a:latin typeface="Segoe WP SemiLight" pitchFamily="34" charset="0"/>
-                <a:ea typeface="Segoe UI" pitchFamily="34" charset="0"/>
-                <a:cs typeface="Segoe UI" pitchFamily="34" charset="0"/>
-              </a:defRPr>
-            </a:lvl4pPr>
-            <a:lvl5pPr>
-              <a:buClr>
-                <a:srgbClr val="FFFFFF"/>
-              </a:buClr>
-              <a:buSzPct val="70000"/>
-              <a:buFont typeface="Wingdings" pitchFamily="2" charset="2"/>
-              <a:buChar char="l"/>
-              <a:defRPr spc="-150">
-                <a:gradFill>
-                  <a:gsLst>
-                    <a:gs pos="0">
-                      <a:srgbClr val="FFFFFF"/>
-                    </a:gs>
-                    <a:gs pos="86000">
-                      <a:srgbClr val="FFFFFF"/>
-                    </a:gs>
-                  </a:gsLst>
-                  <a:lin ang="5400000" scaled="0"/>
-                </a:gradFill>
-                <a:latin typeface="Segoe WP SemiLight" pitchFamily="34" charset="0"/>
-                <a:ea typeface="Segoe UI" pitchFamily="34" charset="0"/>
-                <a:cs typeface="Segoe UI" pitchFamily="34" charset="0"/>
-              </a:defRPr>
-            </a:lvl5pPr>
-          </a:lstStyle>
-          <a:p>
-            <a:pPr lvl="0"/>
-            <a:r>
-              <a:rPr lang="en-US" smtClean="0"/>
-              <a:t>Click to edit Master text styles</a:t>
-            </a:r>
-          </a:p>
-          <a:p>
-            <a:pPr lvl="1"/>
-            <a:r>
-              <a:rPr lang="en-US" smtClean="0"/>
-              <a:t>Second level</a:t>
-            </a:r>
-          </a:p>
-          <a:p>
-            <a:pPr lvl="2"/>
-            <a:r>
-              <a:rPr lang="en-US" smtClean="0"/>
-              <a:t>Third level</a:t>
-            </a:r>
-          </a:p>
-          <a:p>
-            <a:pPr lvl="3"/>
-            <a:r>
-              <a:rPr lang="en-US" smtClean="0"/>
-              <a:t>Fourth level</a:t>
-            </a:r>
-          </a:p>
-          <a:p>
-            <a:pPr lvl="4"/>
-            <a:r>
-              <a:rPr lang="en-US" smtClean="0"/>
-              <a:t>Fifth level</a:t>
-            </a:r>
-            <a:endParaRPr lang="en-US" dirty="0"/>
+                <a:cs typeface="Arial" charset="0"/>
+              </a:rPr>
+              <a:t>© </a:t>
+            </a:r>
+            <a:r>
+              <a:rPr lang="en-US" sz="700" dirty="0" smtClean="0">
+                <a:solidFill>
+                  <a:srgbClr val="1F497D"/>
+                </a:solidFill>
+                <a:latin typeface="Segoe UI" pitchFamily="34" charset="0"/>
+                <a:cs typeface="Arial" charset="0"/>
+              </a:rPr>
+              <a:t>2011 Microsoft </a:t>
+            </a:r>
+            <a:r>
+              <a:rPr lang="en-US" sz="700" dirty="0">
+                <a:solidFill>
+                  <a:srgbClr val="1F497D"/>
+                </a:solidFill>
+                <a:latin typeface="Segoe UI" pitchFamily="34" charset="0"/>
+                <a:cs typeface="Arial" charset="0"/>
+              </a:rPr>
+              <a:t>Corporation. All rights reserved. Microsoft, Windows, Windows Vista and other product names are or may be registered trademarks and/or trademarks in the U.S. and/or other countries.</a:t>
+            </a:r>
+          </a:p>
+          <a:p>
+            <a:pPr algn="ctr" defTabSz="914099" eaLnBrk="0" hangingPunct="0"/>
+            <a:r>
+              <a:rPr lang="en-US" sz="700" dirty="0">
+                <a:solidFill>
+                  <a:srgbClr val="1F497D"/>
+                </a:solidFill>
+                <a:latin typeface="Segoe UI" pitchFamily="34" charset="0"/>
+                <a:cs typeface="Arial" charset="0"/>
+              </a:rPr>
+              <a:t>The information herein is for informational purposes only and represents the current view of Microsoft Corporation as of the date of this presentation.  Because Microsoft must respond to changing market conditions, it should not be interpreted to be a commitment on the part of Microsoft, and Microsoft cannot guarantee the accuracy of any information provided after the date of this presentation.  </a:t>
+            </a:r>
+            <a:br>
+              <a:rPr lang="en-US" sz="700" dirty="0">
+                <a:solidFill>
+                  <a:srgbClr val="1F497D"/>
+                </a:solidFill>
+                <a:latin typeface="Segoe UI" pitchFamily="34" charset="0"/>
+                <a:cs typeface="Arial" charset="0"/>
+              </a:rPr>
+            </a:br>
+            <a:r>
+              <a:rPr lang="en-US" sz="700" dirty="0">
+                <a:solidFill>
+                  <a:srgbClr val="1F497D"/>
+                </a:solidFill>
+                <a:latin typeface="Segoe UI" pitchFamily="34" charset="0"/>
+                <a:cs typeface="Arial" charset="0"/>
+              </a:rPr>
+              <a:t>MICROSOFT MAKES NO WARRANTIES, EXPRESS, IMPLIED OR STATUTORY, AS TO THE INFORMATION IN THIS PRESENTATION.</a:t>
+            </a:r>
           </a:p>
         </p:txBody>
       </p:sp>
     </p:spTree>
     <p:extLst>
       <p:ext uri="{BB962C8B-B14F-4D97-AF65-F5344CB8AC3E}">
-        <p14:creationId xmlns:p14="http://schemas.microsoft.com/office/powerpoint/2010/main" val="2240677482"/>
+        <p14:creationId xmlns:p14="http://schemas.microsoft.com/office/powerpoint/2010/main" val="3236367397"/>
       </p:ext>
     </p:extLst>
   </p:cSld>
@@ -6401,6 +5444,13 @@
   <p:transition>
     <p:fade/>
   </p:transition>
+  <p:timing>
+    <p:tnLst>
+      <p:par>
+        <p:cTn id="1" dur="indefinite" restart="never" nodeType="tmRoot"/>
+      </p:par>
+    </p:tnLst>
+  </p:timing>
 </p:sldLayout>
 </file>
 
@@ -6452,8 +5502,7 @@
     <p:sldLayoutId id="2147483734" r:id="rId6"/>
     <p:sldLayoutId id="2147483736" r:id="rId7"/>
     <p:sldLayoutId id="2147483740" r:id="rId8"/>
-    <p:sldLayoutId id="2147483741" r:id="rId9"/>
-    <p:sldLayoutId id="2147483745" r:id="rId10"/>
+    <p:sldLayoutId id="2147483745" r:id="rId9"/>
   </p:sldLayoutIdLst>
   <p:transition>
     <p:fade/>
@@ -6848,115 +5897,6 @@
 </file>
 
 <file path=ppt/slides/slide1.xml><?xml version="1.0" encoding="utf-8"?>
-<p:sld xmlns:a="http://schemas.openxmlformats.org/drawingml/2006/main" xmlns:r="http://schemas.openxmlformats.org/officeDocument/2006/relationships" xmlns:p="http://schemas.openxmlformats.org/presentationml/2006/main" show="0">
-  <p:cSld>
-    <p:spTree>
-      <p:nvGrpSpPr>
-        <p:cNvPr id="1" name=""/>
-        <p:cNvGrpSpPr/>
-        <p:nvPr/>
-      </p:nvGrpSpPr>
-      <p:grpSpPr>
-        <a:xfrm>
-          <a:off x="0" y="0"/>
-          <a:ext cx="0" cy="0"/>
-          <a:chOff x="0" y="0"/>
-          <a:chExt cx="0" cy="0"/>
-        </a:xfrm>
-      </p:grpSpPr>
-      <p:sp>
-        <p:nvSpPr>
-          <p:cNvPr id="396290" name="Rectangle 2"/>
-          <p:cNvSpPr>
-            <a:spLocks noGrp="1" noChangeArrowheads="1"/>
-          </p:cNvSpPr>
-          <p:nvPr>
-            <p:ph type="title"/>
-          </p:nvPr>
-        </p:nvSpPr>
-        <p:spPr/>
-        <p:txBody>
-          <a:bodyPr/>
-          <a:lstStyle/>
-          <a:p>
-            <a:r>
-              <a:rPr lang="en-US" dirty="0"/>
-              <a:t>k</a:t>
-            </a:r>
-            <a:r>
-              <a:rPr lang="en-US" dirty="0" smtClean="0"/>
-              <a:t>ey </a:t>
-            </a:r>
-            <a:r>
-              <a:rPr lang="en-US" dirty="0"/>
-              <a:t>m</a:t>
-            </a:r>
-            <a:r>
-              <a:rPr lang="en-US" dirty="0" smtClean="0"/>
-              <a:t>essage for presentation</a:t>
-            </a:r>
-            <a:endParaRPr lang="en-US" dirty="0"/>
-          </a:p>
-        </p:txBody>
-      </p:sp>
-      <p:sp>
-        <p:nvSpPr>
-          <p:cNvPr id="13" name="Text Placeholder 13"/>
-          <p:cNvSpPr>
-            <a:spLocks noGrp="1"/>
-          </p:cNvSpPr>
-          <p:nvPr>
-            <p:ph type="body" sz="quarter" idx="10"/>
-          </p:nvPr>
-        </p:nvSpPr>
-        <p:spPr/>
-        <p:txBody>
-          <a:bodyPr/>
-          <a:lstStyle/>
-          <a:p>
-            <a:r>
-              <a:rPr lang="en-US" dirty="0" smtClean="0"/>
-              <a:t>HTML5 and CSS3 can be used today inside the firewall</a:t>
-            </a:r>
-          </a:p>
-          <a:p>
-            <a:r>
-              <a:rPr lang="en-US" dirty="0" smtClean="0"/>
-              <a:t>Good, clean, usable design is always in fashion</a:t>
-            </a:r>
-          </a:p>
-          <a:p>
-            <a:r>
-              <a:rPr lang="en-US" dirty="0" smtClean="0"/>
-              <a:t>Business apps don’t have to be boring, battleship grey</a:t>
-            </a:r>
-          </a:p>
-        </p:txBody>
-      </p:sp>
-    </p:spTree>
-    <p:extLst>
-      <p:ext uri="{BB962C8B-B14F-4D97-AF65-F5344CB8AC3E}">
-        <p14:creationId xmlns:p14="http://schemas.microsoft.com/office/powerpoint/2010/main" val="3132501777"/>
-      </p:ext>
-    </p:extLst>
-  </p:cSld>
-  <p:clrMapOvr>
-    <a:masterClrMapping/>
-  </p:clrMapOvr>
-  <p:transition>
-    <p:fade/>
-  </p:transition>
-  <p:timing>
-    <p:tnLst>
-      <p:par>
-        <p:cTn id="1" dur="indefinite" restart="never" nodeType="tmRoot"/>
-      </p:par>
-    </p:tnLst>
-  </p:timing>
-</p:sld>
-</file>
-
-<file path=ppt/slides/slide10.xml><?xml version="1.0" encoding="utf-8"?>
 <p:sld xmlns:a="http://schemas.openxmlformats.org/drawingml/2006/main" xmlns:r="http://schemas.openxmlformats.org/officeDocument/2006/relationships" xmlns:p="http://schemas.openxmlformats.org/presentationml/2006/main">
   <p:cSld>
     <p:spTree>
@@ -6988,11 +5928,11 @@
           <a:bodyPr/>
           <a:lstStyle/>
           <a:p>
-            <a:r>
-              <a:rPr lang="en-CA" dirty="0" smtClean="0"/>
-              <a:t>feature detection</a:t>
-            </a:r>
-            <a:endParaRPr lang="en-CA" dirty="0"/>
+            <a:pPr lvl="0"/>
+            <a:r>
+              <a:rPr lang="en-CA" dirty="0"/>
+              <a:t>Digging into an HTML5 Line of Business Start Kit</a:t>
+            </a:r>
           </a:p>
         </p:txBody>
       </p:sp>
@@ -7003,95 +5943,56 @@
             <a:spLocks noGrp="1"/>
           </p:cNvSpPr>
           <p:nvPr>
-            <p:ph idx="1"/>
+            <p:ph sz="quarter" idx="10"/>
           </p:nvPr>
         </p:nvSpPr>
         <p:spPr/>
         <p:txBody>
-          <a:bodyPr>
-            <a:normAutofit/>
-          </a:bodyPr>
+          <a:bodyPr/>
           <a:lstStyle/>
           <a:p>
             <a:r>
-              <a:rPr lang="en-CA" dirty="0" smtClean="0"/>
-              <a:t>Supporting older browsers is not as painful</a:t>
-            </a:r>
-          </a:p>
-          <a:p>
-            <a:r>
               <a:rPr lang="en-CA" dirty="0"/>
-              <a:t>10+ years to see the light</a:t>
-            </a:r>
-          </a:p>
-          <a:p>
-            <a:pPr lvl="1"/>
-            <a:r>
-              <a:rPr lang="en-CA" dirty="0"/>
-              <a:t>More smart people focused on the problem</a:t>
-            </a:r>
-          </a:p>
-          <a:p>
-            <a:pPr lvl="1"/>
-            <a:r>
-              <a:rPr lang="en-CA" dirty="0"/>
-              <a:t>Deeper knowledge and tooling for JavaScript</a:t>
-            </a:r>
-          </a:p>
-          <a:p>
-            <a:r>
-              <a:rPr lang="en-CA" dirty="0" err="1" smtClean="0"/>
-              <a:t>Polyfills</a:t>
-            </a:r>
-            <a:r>
-              <a:rPr lang="en-CA" dirty="0" smtClean="0"/>
-              <a:t> close the gaps by manipulating the DOM to enable support of new features</a:t>
-            </a:r>
-          </a:p>
-          <a:p>
-            <a:pPr lvl="1"/>
-            <a:r>
-              <a:rPr lang="en-CA" dirty="0" smtClean="0">
-                <a:latin typeface="Consolas" pitchFamily="49" charset="0"/>
-                <a:cs typeface="Consolas" pitchFamily="49" charset="0"/>
-                <a:hlinkClick r:id="rId2"/>
-              </a:rPr>
-              <a:t>colinb.me/Html5Polyfills</a:t>
-            </a:r>
-            <a:endParaRPr lang="en-CA" dirty="0" smtClean="0">
-              <a:latin typeface="Consolas" pitchFamily="49" charset="0"/>
-              <a:cs typeface="Consolas" pitchFamily="49" charset="0"/>
-            </a:endParaRPr>
-          </a:p>
-          <a:p>
-            <a:pPr lvl="1"/>
-            <a:r>
-              <a:rPr lang="en-CA" dirty="0" smtClean="0">
-                <a:latin typeface="Consolas" pitchFamily="49" charset="0"/>
-                <a:cs typeface="Consolas" pitchFamily="49" charset="0"/>
-                <a:hlinkClick r:id="rId3"/>
-              </a:rPr>
-              <a:t>colinb.me/</a:t>
-            </a:r>
-            <a:r>
-              <a:rPr lang="en-CA" dirty="0" err="1" smtClean="0">
-                <a:latin typeface="Consolas" pitchFamily="49" charset="0"/>
-                <a:cs typeface="Consolas" pitchFamily="49" charset="0"/>
-                <a:hlinkClick r:id="rId3"/>
-              </a:rPr>
-              <a:t>XBrowserTest</a:t>
-            </a:r>
-            <a:endParaRPr lang="en-CA" dirty="0">
-              <a:latin typeface="Consolas" pitchFamily="49" charset="0"/>
-              <a:cs typeface="Consolas" pitchFamily="49" charset="0"/>
-            </a:endParaRPr>
+              <a:t>Colin </a:t>
+            </a:r>
+            <a:r>
+              <a:rPr lang="en-CA" dirty="0" smtClean="0"/>
+              <a:t>Bowern</a:t>
+            </a:r>
+          </a:p>
+          <a:p>
+            <a:r>
+              <a:rPr lang="en-CA" dirty="0" smtClean="0"/>
+              <a:t>Senior Consultant, MVP – ASP.NET/IIS</a:t>
+            </a:r>
+          </a:p>
+          <a:p>
+            <a:r>
+              <a:rPr lang="en-CA" dirty="0" smtClean="0"/>
+              <a:t>ObjectSharp</a:t>
+            </a:r>
+          </a:p>
+          <a:p>
+            <a:endParaRPr lang="en-CA" dirty="0"/>
+          </a:p>
+          <a:p>
+            <a:r>
+              <a:rPr lang="en-CA" dirty="0" smtClean="0"/>
+              <a:t>@colinbowern</a:t>
+            </a:r>
+          </a:p>
+          <a:p>
+            <a:r>
+              <a:rPr lang="en-CA" dirty="0" smtClean="0"/>
+              <a:t>colin@bowern.com</a:t>
+            </a:r>
           </a:p>
         </p:txBody>
       </p:sp>
     </p:spTree>
     <p:extLst>
       <p:ext uri="{BB962C8B-B14F-4D97-AF65-F5344CB8AC3E}">
-        <p14:creationId xmlns:p14="http://schemas.microsoft.com/office/powerpoint/2010/main" val="233684133"/>
+        <p14:creationId xmlns:p14="http://schemas.microsoft.com/office/powerpoint/2010/main" val="1359333579"/>
       </p:ext>
     </p:extLst>
   </p:cSld>
@@ -7108,263 +6009,7 @@
 </p:sld>
 </file>
 
-<file path=ppt/slides/slide11.xml><?xml version="1.0" encoding="utf-8"?>
-<p:sld xmlns:a="http://schemas.openxmlformats.org/drawingml/2006/main" xmlns:r="http://schemas.openxmlformats.org/officeDocument/2006/relationships" xmlns:p="http://schemas.openxmlformats.org/presentationml/2006/main">
-  <p:cSld>
-    <p:spTree>
-      <p:nvGrpSpPr>
-        <p:cNvPr id="1" name=""/>
-        <p:cNvGrpSpPr/>
-        <p:nvPr/>
-      </p:nvGrpSpPr>
-      <p:grpSpPr>
-        <a:xfrm>
-          <a:off x="0" y="0"/>
-          <a:ext cx="0" cy="0"/>
-          <a:chOff x="0" y="0"/>
-          <a:chExt cx="0" cy="0"/>
-        </a:xfrm>
-      </p:grpSpPr>
-      <p:sp>
-        <p:nvSpPr>
-          <p:cNvPr id="2" name="Title 1"/>
-          <p:cNvSpPr>
-            <a:spLocks noGrp="1"/>
-          </p:cNvSpPr>
-          <p:nvPr>
-            <p:ph type="title"/>
-          </p:nvPr>
-        </p:nvSpPr>
-        <p:spPr/>
-        <p:txBody>
-          <a:bodyPr/>
-          <a:lstStyle/>
-          <a:p>
-            <a:r>
-              <a:rPr lang="en-CA" dirty="0" smtClean="0"/>
-              <a:t>user experience is key</a:t>
-            </a:r>
-            <a:endParaRPr lang="en-CA" dirty="0"/>
-          </a:p>
-        </p:txBody>
-      </p:sp>
-      <p:sp>
-        <p:nvSpPr>
-          <p:cNvPr id="3" name="Content Placeholder 2"/>
-          <p:cNvSpPr>
-            <a:spLocks noGrp="1"/>
-          </p:cNvSpPr>
-          <p:nvPr>
-            <p:ph idx="1"/>
-          </p:nvPr>
-        </p:nvSpPr>
-        <p:spPr/>
-        <p:txBody>
-          <a:bodyPr>
-            <a:normAutofit/>
-          </a:bodyPr>
-          <a:lstStyle/>
-          <a:p>
-            <a:r>
-              <a:rPr lang="en-CA" dirty="0" smtClean="0"/>
-              <a:t>Build with your user in mind</a:t>
-            </a:r>
-          </a:p>
-          <a:p>
-            <a:pPr marL="971550" lvl="1" indent="-514350">
-              <a:buFont typeface="+mj-lt"/>
-              <a:buAutoNum type="arabicPeriod"/>
-            </a:pPr>
-            <a:r>
-              <a:rPr lang="en-CA" dirty="0"/>
-              <a:t>Identify </a:t>
-            </a:r>
-            <a:r>
-              <a:rPr lang="en-CA" dirty="0" smtClean="0"/>
-              <a:t>personas + </a:t>
-            </a:r>
-            <a:br>
-              <a:rPr lang="en-CA" dirty="0" smtClean="0"/>
-            </a:br>
-            <a:r>
-              <a:rPr lang="en-CA" dirty="0" smtClean="0"/>
-              <a:t>key scenarios</a:t>
-            </a:r>
-          </a:p>
-          <a:p>
-            <a:pPr marL="971550" lvl="1" indent="-514350">
-              <a:buFont typeface="+mj-lt"/>
-              <a:buAutoNum type="arabicPeriod"/>
-            </a:pPr>
-            <a:endParaRPr lang="en-CA" sz="1300" dirty="0"/>
-          </a:p>
-          <a:p>
-            <a:pPr marL="971550" lvl="1" indent="-514350">
-              <a:buFont typeface="+mj-lt"/>
-              <a:buAutoNum type="arabicPeriod"/>
-            </a:pPr>
-            <a:r>
-              <a:rPr lang="en-CA" dirty="0" smtClean="0"/>
-              <a:t>Interview potential users</a:t>
-            </a:r>
-          </a:p>
-          <a:p>
-            <a:pPr marL="971550" lvl="1" indent="-514350">
-              <a:buFont typeface="+mj-lt"/>
-              <a:buAutoNum type="arabicPeriod"/>
-            </a:pPr>
-            <a:endParaRPr lang="en-CA" sz="1200" dirty="0"/>
-          </a:p>
-          <a:p>
-            <a:pPr marL="971550" lvl="1" indent="-514350">
-              <a:buFont typeface="+mj-lt"/>
-              <a:buAutoNum type="arabicPeriod"/>
-            </a:pPr>
-            <a:r>
-              <a:rPr lang="en-CA" dirty="0" smtClean="0"/>
-              <a:t>Sketch possibilities +</a:t>
-            </a:r>
-            <a:br>
-              <a:rPr lang="en-CA" dirty="0" smtClean="0"/>
-            </a:br>
-            <a:r>
-              <a:rPr lang="en-CA" dirty="0"/>
-              <a:t>g</a:t>
-            </a:r>
-            <a:r>
-              <a:rPr lang="en-CA" dirty="0" smtClean="0"/>
-              <a:t>et feedback</a:t>
-            </a:r>
-          </a:p>
-          <a:p>
-            <a:pPr marL="971550" lvl="1" indent="-514350">
-              <a:buFont typeface="+mj-lt"/>
-              <a:buAutoNum type="arabicPeriod"/>
-            </a:pPr>
-            <a:endParaRPr lang="en-CA" sz="1200" dirty="0" smtClean="0"/>
-          </a:p>
-          <a:p>
-            <a:pPr marL="971550" lvl="1" indent="-514350">
-              <a:buFont typeface="+mj-lt"/>
-              <a:buAutoNum type="arabicPeriod"/>
-            </a:pPr>
-            <a:r>
-              <a:rPr lang="en-CA" dirty="0" smtClean="0"/>
-              <a:t>Polish the UI</a:t>
-            </a:r>
-          </a:p>
-          <a:p>
-            <a:pPr marL="1371600" lvl="2" indent="-514350"/>
-            <a:r>
-              <a:rPr lang="en-CA" dirty="0" smtClean="0">
-                <a:latin typeface="Consolas" pitchFamily="49" charset="0"/>
-                <a:cs typeface="Consolas" pitchFamily="49" charset="0"/>
-                <a:hlinkClick r:id="rId2"/>
-              </a:rPr>
-              <a:t>colinb.me/</a:t>
-            </a:r>
-            <a:r>
-              <a:rPr lang="en-CA" dirty="0" err="1" smtClean="0">
-                <a:latin typeface="Consolas" pitchFamily="49" charset="0"/>
-                <a:cs typeface="Consolas" pitchFamily="49" charset="0"/>
-                <a:hlinkClick r:id="rId2"/>
-              </a:rPr>
-              <a:t>CheapStockIcons</a:t>
-            </a:r>
-            <a:endParaRPr lang="en-CA" dirty="0" smtClean="0">
-              <a:latin typeface="Consolas" pitchFamily="49" charset="0"/>
-              <a:cs typeface="Consolas" pitchFamily="49" charset="0"/>
-            </a:endParaRPr>
-          </a:p>
-          <a:p>
-            <a:pPr marL="457200" lvl="1" indent="0">
-              <a:buNone/>
-            </a:pPr>
-            <a:endParaRPr lang="en-CA" dirty="0" smtClean="0"/>
-          </a:p>
-        </p:txBody>
-      </p:sp>
-      <p:pic>
-        <p:nvPicPr>
-          <p:cNvPr id="1027" name="Picture 3"/>
-          <p:cNvPicPr>
-            <a:picLocks noChangeAspect="1" noChangeArrowheads="1"/>
-          </p:cNvPicPr>
-          <p:nvPr/>
-        </p:nvPicPr>
-        <p:blipFill>
-          <a:blip r:embed="rId3">
-            <a:extLst>
-              <a:ext uri="{28A0092B-C50C-407E-A947-70E740481C1C}">
-                <a14:useLocalDpi xmlns:a14="http://schemas.microsoft.com/office/drawing/2010/main" val="0"/>
-              </a:ext>
-            </a:extLst>
-          </a:blip>
-          <a:srcRect/>
-          <a:stretch>
-            <a:fillRect/>
-          </a:stretch>
-        </p:blipFill>
-        <p:spPr bwMode="auto">
-          <a:xfrm rot="1254373">
-            <a:off x="4812325" y="2099420"/>
-            <a:ext cx="4446111" cy="3378002"/>
-          </a:xfrm>
-          <a:prstGeom prst="rect">
-            <a:avLst/>
-          </a:prstGeom>
-          <a:ln>
-            <a:noFill/>
-          </a:ln>
-          <a:effectLst>
-            <a:outerShdw blurRad="292100" dist="139700" dir="2700000" algn="tl" rotWithShape="0">
-              <a:srgbClr val="333333">
-                <a:alpha val="65000"/>
-              </a:srgbClr>
-            </a:outerShdw>
-          </a:effectLst>
-          <a:extLst>
-            <a:ext uri="{909E8E84-426E-40DD-AFC4-6F175D3DCCD1}">
-              <a14:hiddenFill xmlns:a14="http://schemas.microsoft.com/office/drawing/2010/main">
-                <a:solidFill>
-                  <a:schemeClr val="accent1"/>
-                </a:solidFill>
-              </a14:hiddenFill>
-            </a:ext>
-            <a:ext uri="{91240B29-F687-4F45-9708-019B960494DF}">
-              <a14:hiddenLine xmlns:a14="http://schemas.microsoft.com/office/drawing/2010/main" w="9525">
-                <a:solidFill>
-                  <a:schemeClr val="tx1"/>
-                </a:solidFill>
-                <a:miter lim="800000"/>
-                <a:headEnd/>
-                <a:tailEnd/>
-              </a14:hiddenLine>
-            </a:ext>
-          </a:extLst>
-        </p:spPr>
-      </p:pic>
-    </p:spTree>
-    <p:extLst>
-      <p:ext uri="{BB962C8B-B14F-4D97-AF65-F5344CB8AC3E}">
-        <p14:creationId xmlns:p14="http://schemas.microsoft.com/office/powerpoint/2010/main" val="3635727178"/>
-      </p:ext>
-    </p:extLst>
-  </p:cSld>
-  <p:clrMapOvr>
-    <a:masterClrMapping/>
-  </p:clrMapOvr>
-  <p:timing>
-    <p:tnLst>
-      <p:par>
-        <p:cTn id="1" dur="indefinite" restart="never" nodeType="tmRoot"/>
-      </p:par>
-    </p:tnLst>
-  </p:timing>
-</p:sld>
-</file>
-
-<file path=ppt/slides/slide12.xml><?xml version="1.0" encoding="utf-8"?>
+<file path=ppt/slides/slide10.xml><?xml version="1.0" encoding="utf-8"?>
 <p:sld xmlns:a="http://schemas.openxmlformats.org/drawingml/2006/main" xmlns:r="http://schemas.openxmlformats.org/officeDocument/2006/relationships" xmlns:p="http://schemas.openxmlformats.org/presentationml/2006/main">
   <p:cSld>
     <p:spTree>
@@ -7660,10 +6305,25 @@
   <p:clrMapOvr>
     <a:masterClrMapping/>
   </p:clrMapOvr>
+  <mc:AlternateContent xmlns:mc="http://schemas.openxmlformats.org/markup-compatibility/2006">
+    <mc:Choice xmlns:p14="http://schemas.microsoft.com/office/powerpoint/2010/main" Requires="p14">
+      <p:transition p14:dur="0"/>
+    </mc:Choice>
+    <mc:Fallback>
+      <p:transition/>
+    </mc:Fallback>
+  </mc:AlternateContent>
+  <p:timing>
+    <p:tnLst>
+      <p:par>
+        <p:cTn id="1" dur="indefinite" restart="never" nodeType="tmRoot"/>
+      </p:par>
+    </p:tnLst>
+  </p:timing>
 </p:sld>
 </file>
 
-<file path=ppt/slides/slide13.xml><?xml version="1.0" encoding="utf-8"?>
+<file path=ppt/slides/slide11.xml><?xml version="1.0" encoding="utf-8"?>
 <p:sld xmlns:a="http://schemas.openxmlformats.org/drawingml/2006/main" xmlns:r="http://schemas.openxmlformats.org/officeDocument/2006/relationships" xmlns:p="http://schemas.openxmlformats.org/presentationml/2006/main">
   <p:cSld>
     <p:spTree>
@@ -7716,9 +6376,14 @@
   <p:clrMapOvr>
     <a:masterClrMapping/>
   </p:clrMapOvr>
-  <p:transition>
-    <p:fade/>
-  </p:transition>
+  <mc:AlternateContent xmlns:mc="http://schemas.openxmlformats.org/markup-compatibility/2006">
+    <mc:Choice xmlns:p14="http://schemas.microsoft.com/office/powerpoint/2010/main" Requires="p14">
+      <p:transition p14:dur="0"/>
+    </mc:Choice>
+    <mc:Fallback>
+      <p:transition/>
+    </mc:Fallback>
+  </mc:AlternateContent>
   <p:timing>
     <p:tnLst>
       <p:par>
@@ -7729,7 +6394,7 @@
 </p:sld>
 </file>
 
-<file path=ppt/slides/slide14.xml><?xml version="1.0" encoding="utf-8"?>
+<file path=ppt/slides/slide12.xml><?xml version="1.0" encoding="utf-8"?>
 <p:sld xmlns:a="http://schemas.openxmlformats.org/drawingml/2006/main" xmlns:r="http://schemas.openxmlformats.org/officeDocument/2006/relationships" xmlns:p="http://schemas.openxmlformats.org/presentationml/2006/main">
   <p:cSld>
     <p:spTree>
@@ -8127,6 +6792,14 @@
   <p:clrMapOvr>
     <a:masterClrMapping/>
   </p:clrMapOvr>
+  <mc:AlternateContent xmlns:mc="http://schemas.openxmlformats.org/markup-compatibility/2006">
+    <mc:Choice xmlns:p14="http://schemas.microsoft.com/office/powerpoint/2010/main" Requires="p14">
+      <p:transition p14:dur="0"/>
+    </mc:Choice>
+    <mc:Fallback>
+      <p:transition/>
+    </mc:Fallback>
+  </mc:AlternateContent>
   <p:timing>
     <p:tnLst>
       <p:par>
@@ -8137,7 +6810,7 @@
 </p:sld>
 </file>
 
-<file path=ppt/slides/slide15.xml><?xml version="1.0" encoding="utf-8"?>
+<file path=ppt/slides/slide13.xml><?xml version="1.0" encoding="utf-8"?>
 <p:sld xmlns:a="http://schemas.openxmlformats.org/drawingml/2006/main" xmlns:r="http://schemas.openxmlformats.org/officeDocument/2006/relationships" xmlns:p="http://schemas.openxmlformats.org/presentationml/2006/main">
   <p:cSld>
     <p:spTree>
@@ -8265,10 +6938,25 @@
   <p:clrMapOvr>
     <a:masterClrMapping/>
   </p:clrMapOvr>
+  <mc:AlternateContent xmlns:mc="http://schemas.openxmlformats.org/markup-compatibility/2006">
+    <mc:Choice xmlns:p14="http://schemas.microsoft.com/office/powerpoint/2010/main" Requires="p14">
+      <p:transition p14:dur="0"/>
+    </mc:Choice>
+    <mc:Fallback>
+      <p:transition/>
+    </mc:Fallback>
+  </mc:AlternateContent>
+  <p:timing>
+    <p:tnLst>
+      <p:par>
+        <p:cTn id="1" dur="indefinite" restart="never" nodeType="tmRoot"/>
+      </p:par>
+    </p:tnLst>
+  </p:timing>
 </p:sld>
 </file>
 
-<file path=ppt/slides/slide16.xml><?xml version="1.0" encoding="utf-8"?>
+<file path=ppt/slides/slide14.xml><?xml version="1.0" encoding="utf-8"?>
 <p:sld xmlns:a="http://schemas.openxmlformats.org/drawingml/2006/main" xmlns:r="http://schemas.openxmlformats.org/officeDocument/2006/relationships" xmlns:p="http://schemas.openxmlformats.org/presentationml/2006/main">
   <p:cSld>
     <p:spTree>
@@ -8492,10 +7180,25 @@
   <p:clrMapOvr>
     <a:masterClrMapping/>
   </p:clrMapOvr>
+  <mc:AlternateContent xmlns:mc="http://schemas.openxmlformats.org/markup-compatibility/2006">
+    <mc:Choice xmlns:p14="http://schemas.microsoft.com/office/powerpoint/2010/main" Requires="p14">
+      <p:transition p14:dur="0"/>
+    </mc:Choice>
+    <mc:Fallback>
+      <p:transition/>
+    </mc:Fallback>
+  </mc:AlternateContent>
+  <p:timing>
+    <p:tnLst>
+      <p:par>
+        <p:cTn id="1" dur="indefinite" restart="never" nodeType="tmRoot"/>
+      </p:par>
+    </p:tnLst>
+  </p:timing>
 </p:sld>
 </file>
 
-<file path=ppt/slides/slide17.xml><?xml version="1.0" encoding="utf-8"?>
+<file path=ppt/slides/slide15.xml><?xml version="1.0" encoding="utf-8"?>
 <p:sld xmlns:a="http://schemas.openxmlformats.org/drawingml/2006/main" xmlns:r="http://schemas.openxmlformats.org/officeDocument/2006/relationships" xmlns:p="http://schemas.openxmlformats.org/presentationml/2006/main">
   <p:cSld>
     <p:spTree>
@@ -8597,10 +7300,25 @@
   <p:clrMapOvr>
     <a:masterClrMapping/>
   </p:clrMapOvr>
+  <mc:AlternateContent xmlns:mc="http://schemas.openxmlformats.org/markup-compatibility/2006">
+    <mc:Choice xmlns:p14="http://schemas.microsoft.com/office/powerpoint/2010/main" Requires="p14">
+      <p:transition p14:dur="0"/>
+    </mc:Choice>
+    <mc:Fallback>
+      <p:transition/>
+    </mc:Fallback>
+  </mc:AlternateContent>
+  <p:timing>
+    <p:tnLst>
+      <p:par>
+        <p:cTn id="1" dur="indefinite" restart="never" nodeType="tmRoot"/>
+      </p:par>
+    </p:tnLst>
+  </p:timing>
 </p:sld>
 </file>
 
-<file path=ppt/slides/slide18.xml><?xml version="1.0" encoding="utf-8"?>
+<file path=ppt/slides/slide16.xml><?xml version="1.0" encoding="utf-8"?>
 <p:sld xmlns:a="http://schemas.openxmlformats.org/drawingml/2006/main" xmlns:r="http://schemas.openxmlformats.org/officeDocument/2006/relationships" xmlns:p="http://schemas.openxmlformats.org/presentationml/2006/main">
   <p:cSld>
     <p:spTree>
@@ -8749,6 +7467,288 @@
   <p:clrMapOvr>
     <a:masterClrMapping/>
   </p:clrMapOvr>
+  <mc:AlternateContent xmlns:mc="http://schemas.openxmlformats.org/markup-compatibility/2006">
+    <mc:Choice xmlns:p14="http://schemas.microsoft.com/office/powerpoint/2010/main" Requires="p14">
+      <p:transition p14:dur="0"/>
+    </mc:Choice>
+    <mc:Fallback>
+      <p:transition/>
+    </mc:Fallback>
+  </mc:AlternateContent>
+  <p:timing>
+    <p:tnLst>
+      <p:par>
+        <p:cTn id="1" dur="indefinite" restart="never" nodeType="tmRoot"/>
+      </p:par>
+    </p:tnLst>
+  </p:timing>
+</p:sld>
+</file>
+
+<file path=ppt/slides/slide17.xml><?xml version="1.0" encoding="utf-8"?>
+<p:sld xmlns:a="http://schemas.openxmlformats.org/drawingml/2006/main" xmlns:r="http://schemas.openxmlformats.org/officeDocument/2006/relationships" xmlns:p="http://schemas.openxmlformats.org/presentationml/2006/main">
+  <p:cSld>
+    <p:spTree>
+      <p:nvGrpSpPr>
+        <p:cNvPr id="1" name=""/>
+        <p:cNvGrpSpPr/>
+        <p:nvPr/>
+      </p:nvGrpSpPr>
+      <p:grpSpPr>
+        <a:xfrm>
+          <a:off x="0" y="0"/>
+          <a:ext cx="0" cy="0"/>
+          <a:chOff x="0" y="0"/>
+          <a:chExt cx="0" cy="0"/>
+        </a:xfrm>
+      </p:grpSpPr>
+      <p:sp>
+        <p:nvSpPr>
+          <p:cNvPr id="2" name="Title 1"/>
+          <p:cNvSpPr>
+            <a:spLocks noGrp="1"/>
+          </p:cNvSpPr>
+          <p:nvPr>
+            <p:ph type="title"/>
+          </p:nvPr>
+        </p:nvSpPr>
+        <p:spPr/>
+        <p:txBody>
+          <a:bodyPr/>
+          <a:lstStyle/>
+          <a:p>
+            <a:r>
+              <a:rPr lang="en-CA" dirty="0" smtClean="0"/>
+              <a:t>controls</a:t>
+            </a:r>
+            <a:endParaRPr lang="en-CA" dirty="0"/>
+          </a:p>
+        </p:txBody>
+      </p:sp>
+      <p:sp>
+        <p:nvSpPr>
+          <p:cNvPr id="3" name="Content Placeholder 2"/>
+          <p:cNvSpPr>
+            <a:spLocks noGrp="1"/>
+          </p:cNvSpPr>
+          <p:nvPr>
+            <p:ph idx="1"/>
+          </p:nvPr>
+        </p:nvSpPr>
+        <p:spPr/>
+        <p:txBody>
+          <a:bodyPr/>
+          <a:lstStyle/>
+          <a:p>
+            <a:r>
+              <a:rPr lang="en-CA" dirty="0" smtClean="0"/>
+              <a:t>Form controls enable browsers to provide consistent input experience </a:t>
+            </a:r>
+          </a:p>
+          <a:p>
+            <a:pPr lvl="1"/>
+            <a:r>
+              <a:rPr lang="en-CA" dirty="0" smtClean="0"/>
+              <a:t>Dates &amp; Time, Number, Range, Email Address, URL, Color, Search</a:t>
+            </a:r>
+          </a:p>
+          <a:p>
+            <a:endParaRPr lang="en-CA" dirty="0" smtClean="0"/>
+          </a:p>
+          <a:p>
+            <a:r>
+              <a:rPr lang="en-CA" dirty="0" smtClean="0"/>
+              <a:t>Descriptive controls allow for behaviour and semantic description</a:t>
+            </a:r>
+          </a:p>
+          <a:p>
+            <a:pPr lvl="1"/>
+            <a:r>
+              <a:rPr lang="en-CA" dirty="0" smtClean="0"/>
+              <a:t>Menu, Figure, </a:t>
+            </a:r>
+            <a:r>
+              <a:rPr lang="en-CA" dirty="0" err="1" smtClean="0"/>
+              <a:t>Datagrid</a:t>
+            </a:r>
+            <a:r>
+              <a:rPr lang="en-CA" dirty="0" smtClean="0"/>
+              <a:t>, Output, Time, Progress, Meter</a:t>
+            </a:r>
+            <a:endParaRPr lang="en-CA" dirty="0"/>
+          </a:p>
+        </p:txBody>
+      </p:sp>
+    </p:spTree>
+    <p:extLst>
+      <p:ext uri="{BB962C8B-B14F-4D97-AF65-F5344CB8AC3E}">
+        <p14:creationId xmlns:p14="http://schemas.microsoft.com/office/powerpoint/2010/main" val="2010924386"/>
+      </p:ext>
+    </p:extLst>
+  </p:cSld>
+  <p:clrMapOvr>
+    <a:masterClrMapping/>
+  </p:clrMapOvr>
+  <mc:AlternateContent xmlns:mc="http://schemas.openxmlformats.org/markup-compatibility/2006">
+    <mc:Choice xmlns:p14="http://schemas.microsoft.com/office/powerpoint/2010/main" Requires="p14">
+      <p:transition p14:dur="0"/>
+    </mc:Choice>
+    <mc:Fallback>
+      <p:transition/>
+    </mc:Fallback>
+  </mc:AlternateContent>
+  <p:timing>
+    <p:tnLst>
+      <p:par>
+        <p:cTn id="1" dur="indefinite" restart="never" nodeType="tmRoot"/>
+      </p:par>
+    </p:tnLst>
+  </p:timing>
+</p:sld>
+</file>
+
+<file path=ppt/slides/slide18.xml><?xml version="1.0" encoding="utf-8"?>
+<p:sld xmlns:a="http://schemas.openxmlformats.org/drawingml/2006/main" xmlns:r="http://schemas.openxmlformats.org/officeDocument/2006/relationships" xmlns:p="http://schemas.openxmlformats.org/presentationml/2006/main">
+  <p:cSld>
+    <p:spTree>
+      <p:nvGrpSpPr>
+        <p:cNvPr id="1" name=""/>
+        <p:cNvGrpSpPr/>
+        <p:nvPr/>
+      </p:nvGrpSpPr>
+      <p:grpSpPr>
+        <a:xfrm>
+          <a:off x="0" y="0"/>
+          <a:ext cx="0" cy="0"/>
+          <a:chOff x="0" y="0"/>
+          <a:chExt cx="0" cy="0"/>
+        </a:xfrm>
+      </p:grpSpPr>
+      <p:sp>
+        <p:nvSpPr>
+          <p:cNvPr id="2" name="Title 1"/>
+          <p:cNvSpPr>
+            <a:spLocks noGrp="1"/>
+          </p:cNvSpPr>
+          <p:nvPr>
+            <p:ph type="title"/>
+          </p:nvPr>
+        </p:nvSpPr>
+        <p:spPr/>
+        <p:txBody>
+          <a:bodyPr/>
+          <a:lstStyle/>
+          <a:p>
+            <a:r>
+              <a:rPr lang="en-CA" dirty="0" smtClean="0"/>
+              <a:t>drag &amp; drop</a:t>
+            </a:r>
+            <a:endParaRPr lang="en-CA" dirty="0"/>
+          </a:p>
+        </p:txBody>
+      </p:sp>
+      <p:sp>
+        <p:nvSpPr>
+          <p:cNvPr id="3" name="Content Placeholder 2"/>
+          <p:cNvSpPr>
+            <a:spLocks noGrp="1"/>
+          </p:cNvSpPr>
+          <p:nvPr>
+            <p:ph idx="1"/>
+          </p:nvPr>
+        </p:nvSpPr>
+        <p:spPr/>
+        <p:txBody>
+          <a:bodyPr/>
+          <a:lstStyle/>
+          <a:p>
+            <a:r>
+              <a:rPr lang="en-CA" dirty="0" smtClean="0"/>
+              <a:t>Standardizes a scenario that has been invented many times over</a:t>
+            </a:r>
+          </a:p>
+          <a:p>
+            <a:pPr lvl="1"/>
+            <a:r>
+              <a:rPr lang="en-CA" dirty="0" smtClean="0"/>
+              <a:t>Mark elements with </a:t>
+            </a:r>
+            <a:r>
+              <a:rPr lang="en-CA" b="1" dirty="0" err="1" smtClean="0"/>
+              <a:t>draggable</a:t>
+            </a:r>
+            <a:r>
+              <a:rPr lang="en-CA" dirty="0" smtClean="0"/>
+              <a:t> attribute</a:t>
+            </a:r>
+          </a:p>
+          <a:p>
+            <a:pPr lvl="1"/>
+            <a:r>
+              <a:rPr lang="en-CA" dirty="0" smtClean="0"/>
+              <a:t>Mark target zones with </a:t>
+            </a:r>
+            <a:r>
+              <a:rPr lang="en-CA" b="1" dirty="0" err="1" smtClean="0"/>
+              <a:t>dropzone</a:t>
+            </a:r>
+            <a:r>
+              <a:rPr lang="en-CA" dirty="0" smtClean="0"/>
+              <a:t> attribute</a:t>
+            </a:r>
+          </a:p>
+          <a:p>
+            <a:pPr lvl="1"/>
+            <a:r>
+              <a:rPr lang="en-CA" dirty="0" smtClean="0"/>
+              <a:t>Handle </a:t>
+            </a:r>
+            <a:r>
+              <a:rPr lang="en-CA" b="1" dirty="0" err="1" smtClean="0"/>
+              <a:t>ondrop</a:t>
+            </a:r>
+            <a:r>
+              <a:rPr lang="en-CA" dirty="0" smtClean="0"/>
+              <a:t> event to update back-end </a:t>
+            </a:r>
+          </a:p>
+          <a:p>
+            <a:endParaRPr lang="en-CA" dirty="0" smtClean="0"/>
+          </a:p>
+          <a:p>
+            <a:r>
+              <a:rPr lang="en-CA" dirty="0" smtClean="0"/>
+              <a:t>Wire into the file and touch events for rich experiences</a:t>
+            </a:r>
+            <a:endParaRPr lang="en-CA" dirty="0"/>
+          </a:p>
+        </p:txBody>
+      </p:sp>
+    </p:spTree>
+    <p:extLst>
+      <p:ext uri="{BB962C8B-B14F-4D97-AF65-F5344CB8AC3E}">
+        <p14:creationId xmlns:p14="http://schemas.microsoft.com/office/powerpoint/2010/main" val="2385205911"/>
+      </p:ext>
+    </p:extLst>
+  </p:cSld>
+  <p:clrMapOvr>
+    <a:masterClrMapping/>
+  </p:clrMapOvr>
+  <mc:AlternateContent xmlns:mc="http://schemas.openxmlformats.org/markup-compatibility/2006">
+    <mc:Choice xmlns:p14="http://schemas.microsoft.com/office/powerpoint/2010/main" Requires="p14">
+      <p:transition p14:dur="0"/>
+    </mc:Choice>
+    <mc:Fallback>
+      <p:transition/>
+    </mc:Fallback>
+  </mc:AlternateContent>
+  <p:timing>
+    <p:tnLst>
+      <p:par>
+        <p:cTn id="1" dur="indefinite" restart="never" nodeType="tmRoot"/>
+      </p:par>
+    </p:tnLst>
+  </p:timing>
 </p:sld>
 </file>
 
@@ -8786,7 +7786,7 @@
           <a:p>
             <a:r>
               <a:rPr lang="en-CA" dirty="0" smtClean="0"/>
-              <a:t>controls</a:t>
+              <a:t>messaging</a:t>
             </a:r>
             <a:endParaRPr lang="en-CA" dirty="0"/>
           </a:p>
@@ -8809,39 +7809,35 @@
           <a:p>
             <a:r>
               <a:rPr lang="en-CA" dirty="0" smtClean="0"/>
-              <a:t>Form controls enable browsers to provide consistent input experience </a:t>
+              <a:t>Simplifies non-hostile communications between documents</a:t>
             </a:r>
           </a:p>
           <a:p>
             <a:pPr lvl="1"/>
             <a:r>
               <a:rPr lang="en-CA" dirty="0" smtClean="0"/>
-              <a:t>Dates &amp; Time, Number, Range, Email Address, URL, Color, Search</a:t>
-            </a:r>
-          </a:p>
-          <a:p>
+              <a:t>Policy defines domain boundaries</a:t>
+            </a:r>
+          </a:p>
+          <a:p>
+            <a:pPr lvl="1"/>
             <a:endParaRPr lang="en-CA" dirty="0" smtClean="0"/>
           </a:p>
           <a:p>
             <a:r>
               <a:rPr lang="en-CA" dirty="0" smtClean="0"/>
-              <a:t>Descriptive controls allow for behaviour and semantic description</a:t>
+              <a:t>Events used to handle messages</a:t>
             </a:r>
           </a:p>
           <a:p>
             <a:pPr lvl="1"/>
             <a:r>
               <a:rPr lang="en-CA" dirty="0" smtClean="0"/>
-              <a:t>Menu, Figure, </a:t>
-            </a:r>
-            <a:r>
-              <a:rPr lang="en-CA" dirty="0" err="1" smtClean="0"/>
-              <a:t>Datagrid</a:t>
-            </a:r>
-            <a:r>
-              <a:rPr lang="en-CA" dirty="0" smtClean="0"/>
-              <a:t>, Output, Time, Progress, Meter</a:t>
-            </a:r>
+              <a:t>Exposes origin to protect against unauthorized messages</a:t>
+            </a:r>
+          </a:p>
+          <a:p>
+            <a:pPr lvl="1"/>
             <a:endParaRPr lang="en-CA" dirty="0"/>
           </a:p>
         </p:txBody>
@@ -8849,13 +7845,28 @@
     </p:spTree>
     <p:extLst>
       <p:ext uri="{BB962C8B-B14F-4D97-AF65-F5344CB8AC3E}">
-        <p14:creationId xmlns:p14="http://schemas.microsoft.com/office/powerpoint/2010/main" val="2010924386"/>
+        <p14:creationId xmlns:p14="http://schemas.microsoft.com/office/powerpoint/2010/main" val="1874042503"/>
       </p:ext>
     </p:extLst>
   </p:cSld>
   <p:clrMapOvr>
     <a:masterClrMapping/>
   </p:clrMapOvr>
+  <mc:AlternateContent xmlns:mc="http://schemas.openxmlformats.org/markup-compatibility/2006">
+    <mc:Choice xmlns:p14="http://schemas.microsoft.com/office/powerpoint/2010/main" Requires="p14">
+      <p:transition p14:dur="0"/>
+    </mc:Choice>
+    <mc:Fallback>
+      <p:transition/>
+    </mc:Fallback>
+  </mc:AlternateContent>
+  <p:timing>
+    <p:tnLst>
+      <p:par>
+        <p:cTn id="1" dur="indefinite" restart="never" nodeType="tmRoot"/>
+      </p:par>
+    </p:tnLst>
+  </p:timing>
 </p:sld>
 </file>
 
@@ -8878,7 +7889,7 @@
       </p:grpSpPr>
       <p:sp>
         <p:nvSpPr>
-          <p:cNvPr id="2" name="Title 1"/>
+          <p:cNvPr id="4" name="Title 3"/>
           <p:cNvSpPr>
             <a:spLocks noGrp="1"/>
           </p:cNvSpPr>
@@ -8891,77 +7902,65 @@
           <a:bodyPr/>
           <a:lstStyle/>
           <a:p>
-            <a:pPr lvl="0"/>
+            <a:r>
+              <a:rPr lang="en-CA" dirty="0" smtClean="0"/>
+              <a:t>our </a:t>
+            </a:r>
             <a:r>
               <a:rPr lang="en-CA" dirty="0"/>
-              <a:t>Digging into an HTML5 Line of Business Start Kit</a:t>
-            </a:r>
+              <a:t>j</a:t>
+            </a:r>
+            <a:r>
+              <a:rPr lang="en-CA" dirty="0" smtClean="0"/>
+              <a:t>ourney today</a:t>
+            </a:r>
+            <a:endParaRPr lang="en-CA" dirty="0"/>
           </a:p>
         </p:txBody>
       </p:sp>
-      <p:sp>
-        <p:nvSpPr>
-          <p:cNvPr id="3" name="Content Placeholder 2"/>
-          <p:cNvSpPr>
-            <a:spLocks noGrp="1"/>
-          </p:cNvSpPr>
+      <p:graphicFrame>
+        <p:nvGraphicFramePr>
+          <p:cNvPr id="2" name="Content Placeholder 1"/>
+          <p:cNvGraphicFramePr>
+            <a:graphicFrameLocks noGrp="1"/>
+          </p:cNvGraphicFramePr>
           <p:nvPr>
-            <p:ph sz="quarter" idx="10"/>
+            <p:ph idx="1"/>
+            <p:extLst>
+              <p:ext uri="{D42A27DB-BD31-4B8C-83A1-F6EECF244321}">
+                <p14:modId xmlns:p14="http://schemas.microsoft.com/office/powerpoint/2010/main" val="2719301955"/>
+              </p:ext>
+            </p:extLst>
           </p:nvPr>
-        </p:nvSpPr>
-        <p:spPr/>
-        <p:txBody>
-          <a:bodyPr/>
-          <a:lstStyle/>
-          <a:p>
-            <a:r>
-              <a:rPr lang="en-CA" dirty="0"/>
-              <a:t>Colin </a:t>
-            </a:r>
-            <a:r>
-              <a:rPr lang="en-CA" dirty="0" smtClean="0"/>
-              <a:t>Bowern</a:t>
-            </a:r>
-          </a:p>
-          <a:p>
-            <a:r>
-              <a:rPr lang="en-CA" dirty="0" smtClean="0"/>
-              <a:t>Senior Consultant, MVP – ASP.NET/IIS</a:t>
-            </a:r>
-          </a:p>
-          <a:p>
-            <a:r>
-              <a:rPr lang="en-CA" dirty="0" smtClean="0"/>
-              <a:t>ObjectSharp</a:t>
-            </a:r>
-          </a:p>
-          <a:p>
-            <a:endParaRPr lang="en-CA" dirty="0"/>
-          </a:p>
-          <a:p>
-            <a:r>
-              <a:rPr lang="en-CA" dirty="0" smtClean="0"/>
-              <a:t>@colinbowern</a:t>
-            </a:r>
-          </a:p>
-          <a:p>
-            <a:r>
-              <a:rPr lang="en-CA" dirty="0" smtClean="0"/>
-              <a:t>colin@bowern.com</a:t>
-            </a:r>
-          </a:p>
-        </p:txBody>
-      </p:sp>
+        </p:nvGraphicFramePr>
+        <p:xfrm>
+          <a:off x="342900" y="1266825"/>
+          <a:ext cx="8458200" cy="4191000"/>
+        </p:xfrm>
+        <a:graphic>
+          <a:graphicData uri="http://schemas.openxmlformats.org/drawingml/2006/diagram">
+            <dgm:relIds xmlns:dgm="http://schemas.openxmlformats.org/drawingml/2006/diagram" xmlns:r="http://schemas.openxmlformats.org/officeDocument/2006/relationships" r:dm="rId2" r:lo="rId3" r:qs="rId4" r:cs="rId5"/>
+          </a:graphicData>
+        </a:graphic>
+      </p:graphicFrame>
     </p:spTree>
     <p:extLst>
       <p:ext uri="{BB962C8B-B14F-4D97-AF65-F5344CB8AC3E}">
-        <p14:creationId xmlns:p14="http://schemas.microsoft.com/office/powerpoint/2010/main" val="1359333579"/>
+        <p14:creationId xmlns:p14="http://schemas.microsoft.com/office/powerpoint/2010/main" val="3044314438"/>
       </p:ext>
     </p:extLst>
   </p:cSld>
   <p:clrMapOvr>
     <a:masterClrMapping/>
   </p:clrMapOvr>
+  <mc:AlternateContent xmlns:mc="http://schemas.openxmlformats.org/markup-compatibility/2006">
+    <mc:Choice xmlns:p14="http://schemas.microsoft.com/office/powerpoint/2010/main" Requires="p14">
+      <p:transition p14:dur="0"/>
+    </mc:Choice>
+    <mc:Fallback>
+      <p:transition/>
+    </mc:Fallback>
+  </mc:AlternateContent>
   <p:timing>
     <p:tnLst>
       <p:par>
@@ -9006,7 +8005,7 @@
           <a:p>
             <a:r>
               <a:rPr lang="en-CA" dirty="0" smtClean="0"/>
-              <a:t>drag &amp; drop</a:t>
+              <a:t>data storage</a:t>
             </a:r>
             <a:endParaRPr lang="en-CA" dirty="0"/>
           </a:p>
@@ -9029,62 +8028,50 @@
           <a:p>
             <a:r>
               <a:rPr lang="en-CA" dirty="0" smtClean="0"/>
-              <a:t>Standardizes a scenario that has been invented many times over</a:t>
+              <a:t>Session and Local Storage used for string values</a:t>
             </a:r>
           </a:p>
           <a:p>
             <a:pPr lvl="1"/>
             <a:r>
               <a:rPr lang="en-CA" dirty="0" smtClean="0"/>
-              <a:t>Mark elements with </a:t>
-            </a:r>
-            <a:r>
-              <a:rPr lang="en-CA" b="1" dirty="0" err="1" smtClean="0"/>
-              <a:t>draggable</a:t>
-            </a:r>
-            <a:r>
-              <a:rPr lang="en-CA" dirty="0" smtClean="0"/>
-              <a:t> attribute</a:t>
+              <a:t>Similar to HTTP cookies</a:t>
             </a:r>
           </a:p>
           <a:p>
             <a:pPr lvl="1"/>
             <a:r>
-              <a:rPr lang="en-CA" dirty="0" smtClean="0"/>
-              <a:t>Mark target zones with </a:t>
-            </a:r>
-            <a:r>
-              <a:rPr lang="en-CA" b="1" dirty="0" err="1" smtClean="0"/>
-              <a:t>dropzone</a:t>
-            </a:r>
-            <a:r>
-              <a:rPr lang="en-CA" dirty="0" smtClean="0"/>
-              <a:t> attribute</a:t>
+              <a:rPr lang="en-CA" b="1" dirty="0" smtClean="0"/>
+              <a:t>Session</a:t>
+            </a:r>
+            <a:r>
+              <a:rPr lang="en-CA" dirty="0" smtClean="0"/>
+              <a:t>: tied to top-level document</a:t>
             </a:r>
           </a:p>
           <a:p>
             <a:pPr lvl="1"/>
             <a:r>
-              <a:rPr lang="en-CA" dirty="0" smtClean="0"/>
-              <a:t>Handle </a:t>
-            </a:r>
-            <a:r>
-              <a:rPr lang="en-CA" b="1" dirty="0" err="1" smtClean="0"/>
-              <a:t>ondrop</a:t>
-            </a:r>
-            <a:r>
-              <a:rPr lang="en-CA" dirty="0" smtClean="0"/>
-              <a:t> event to update back-end </a:t>
-            </a:r>
-          </a:p>
-          <a:p>
+              <a:rPr lang="en-CA" b="1" dirty="0" smtClean="0"/>
+              <a:t>Local</a:t>
+            </a:r>
+            <a:r>
+              <a:rPr lang="en-CA" dirty="0" smtClean="0"/>
+              <a:t>: tied to domain</a:t>
+            </a:r>
+          </a:p>
+          <a:p>
+            <a:pPr lvl="1"/>
             <a:endParaRPr lang="en-CA" dirty="0" smtClean="0"/>
           </a:p>
           <a:p>
             <a:r>
               <a:rPr lang="en-CA" dirty="0" smtClean="0"/>
-              <a:t>Wire into the file and touch events for rich experiences</a:t>
-            </a:r>
+              <a:t>Web Storage provides a SQL-like mechanism for storing and querying complex data structures</a:t>
+            </a:r>
+          </a:p>
+          <a:p>
+            <a:pPr lvl="1"/>
             <a:endParaRPr lang="en-CA" dirty="0"/>
           </a:p>
         </p:txBody>
@@ -9092,13 +8079,28 @@
     </p:spTree>
     <p:extLst>
       <p:ext uri="{BB962C8B-B14F-4D97-AF65-F5344CB8AC3E}">
-        <p14:creationId xmlns:p14="http://schemas.microsoft.com/office/powerpoint/2010/main" val="2385205911"/>
+        <p14:creationId xmlns:p14="http://schemas.microsoft.com/office/powerpoint/2010/main" val="3343403629"/>
       </p:ext>
     </p:extLst>
   </p:cSld>
   <p:clrMapOvr>
     <a:masterClrMapping/>
   </p:clrMapOvr>
+  <mc:AlternateContent xmlns:mc="http://schemas.openxmlformats.org/markup-compatibility/2006">
+    <mc:Choice xmlns:p14="http://schemas.microsoft.com/office/powerpoint/2010/main" Requires="p14">
+      <p:transition p14:dur="0"/>
+    </mc:Choice>
+    <mc:Fallback>
+      <p:transition/>
+    </mc:Fallback>
+  </mc:AlternateContent>
+  <p:timing>
+    <p:tnLst>
+      <p:par>
+        <p:cTn id="1" dur="indefinite" restart="never" nodeType="tmRoot"/>
+      </p:par>
+    </p:tnLst>
+  </p:timing>
 </p:sld>
 </file>
 
@@ -9136,7 +8138,7 @@
           <a:p>
             <a:r>
               <a:rPr lang="en-CA" dirty="0" smtClean="0"/>
-              <a:t>messaging</a:t>
+              <a:t>offline applications</a:t>
             </a:r>
             <a:endParaRPr lang="en-CA" dirty="0"/>
           </a:p>
@@ -9159,227 +8161,6 @@
           <a:p>
             <a:r>
               <a:rPr lang="en-CA" dirty="0" smtClean="0"/>
-              <a:t>Simplifies non-hostile communications between documents</a:t>
-            </a:r>
-          </a:p>
-          <a:p>
-            <a:pPr lvl="1"/>
-            <a:r>
-              <a:rPr lang="en-CA" dirty="0" smtClean="0"/>
-              <a:t>Policy defines domain boundaries</a:t>
-            </a:r>
-          </a:p>
-          <a:p>
-            <a:pPr lvl="1"/>
-            <a:endParaRPr lang="en-CA" dirty="0" smtClean="0"/>
-          </a:p>
-          <a:p>
-            <a:r>
-              <a:rPr lang="en-CA" dirty="0" smtClean="0"/>
-              <a:t>Events used to handle messages</a:t>
-            </a:r>
-          </a:p>
-          <a:p>
-            <a:pPr lvl="1"/>
-            <a:r>
-              <a:rPr lang="en-CA" dirty="0" smtClean="0"/>
-              <a:t>Exposes origin to protect against unauthorized messages</a:t>
-            </a:r>
-          </a:p>
-          <a:p>
-            <a:pPr lvl="1"/>
-            <a:endParaRPr lang="en-CA" dirty="0"/>
-          </a:p>
-        </p:txBody>
-      </p:sp>
-    </p:spTree>
-    <p:extLst>
-      <p:ext uri="{BB962C8B-B14F-4D97-AF65-F5344CB8AC3E}">
-        <p14:creationId xmlns:p14="http://schemas.microsoft.com/office/powerpoint/2010/main" val="1874042503"/>
-      </p:ext>
-    </p:extLst>
-  </p:cSld>
-  <p:clrMapOvr>
-    <a:masterClrMapping/>
-  </p:clrMapOvr>
-</p:sld>
-</file>
-
-<file path=ppt/slides/slide22.xml><?xml version="1.0" encoding="utf-8"?>
-<p:sld xmlns:a="http://schemas.openxmlformats.org/drawingml/2006/main" xmlns:r="http://schemas.openxmlformats.org/officeDocument/2006/relationships" xmlns:p="http://schemas.openxmlformats.org/presentationml/2006/main">
-  <p:cSld>
-    <p:spTree>
-      <p:nvGrpSpPr>
-        <p:cNvPr id="1" name=""/>
-        <p:cNvGrpSpPr/>
-        <p:nvPr/>
-      </p:nvGrpSpPr>
-      <p:grpSpPr>
-        <a:xfrm>
-          <a:off x="0" y="0"/>
-          <a:ext cx="0" cy="0"/>
-          <a:chOff x="0" y="0"/>
-          <a:chExt cx="0" cy="0"/>
-        </a:xfrm>
-      </p:grpSpPr>
-      <p:sp>
-        <p:nvSpPr>
-          <p:cNvPr id="2" name="Title 1"/>
-          <p:cNvSpPr>
-            <a:spLocks noGrp="1"/>
-          </p:cNvSpPr>
-          <p:nvPr>
-            <p:ph type="title"/>
-          </p:nvPr>
-        </p:nvSpPr>
-        <p:spPr/>
-        <p:txBody>
-          <a:bodyPr/>
-          <a:lstStyle/>
-          <a:p>
-            <a:r>
-              <a:rPr lang="en-CA" dirty="0" smtClean="0"/>
-              <a:t>data storage</a:t>
-            </a:r>
-            <a:endParaRPr lang="en-CA" dirty="0"/>
-          </a:p>
-        </p:txBody>
-      </p:sp>
-      <p:sp>
-        <p:nvSpPr>
-          <p:cNvPr id="3" name="Content Placeholder 2"/>
-          <p:cNvSpPr>
-            <a:spLocks noGrp="1"/>
-          </p:cNvSpPr>
-          <p:nvPr>
-            <p:ph idx="1"/>
-          </p:nvPr>
-        </p:nvSpPr>
-        <p:spPr/>
-        <p:txBody>
-          <a:bodyPr/>
-          <a:lstStyle/>
-          <a:p>
-            <a:r>
-              <a:rPr lang="en-CA" dirty="0" smtClean="0"/>
-              <a:t>Session and Local Storage used for string values</a:t>
-            </a:r>
-          </a:p>
-          <a:p>
-            <a:pPr lvl="1"/>
-            <a:r>
-              <a:rPr lang="en-CA" dirty="0" smtClean="0"/>
-              <a:t>Similar to HTTP cookies</a:t>
-            </a:r>
-          </a:p>
-          <a:p>
-            <a:pPr lvl="1"/>
-            <a:r>
-              <a:rPr lang="en-CA" b="1" dirty="0" smtClean="0"/>
-              <a:t>Session</a:t>
-            </a:r>
-            <a:r>
-              <a:rPr lang="en-CA" dirty="0" smtClean="0"/>
-              <a:t>: tied to top-level document</a:t>
-            </a:r>
-          </a:p>
-          <a:p>
-            <a:pPr lvl="1"/>
-            <a:r>
-              <a:rPr lang="en-CA" b="1" dirty="0" smtClean="0"/>
-              <a:t>Local</a:t>
-            </a:r>
-            <a:r>
-              <a:rPr lang="en-CA" dirty="0" smtClean="0"/>
-              <a:t>: tied to domain</a:t>
-            </a:r>
-          </a:p>
-          <a:p>
-            <a:pPr lvl="1"/>
-            <a:endParaRPr lang="en-CA" dirty="0" smtClean="0"/>
-          </a:p>
-          <a:p>
-            <a:r>
-              <a:rPr lang="en-CA" dirty="0" smtClean="0"/>
-              <a:t>Web Storage provides a SQL-like mechanism for storing and querying complex data structures</a:t>
-            </a:r>
-          </a:p>
-          <a:p>
-            <a:pPr lvl="1"/>
-            <a:endParaRPr lang="en-CA" dirty="0"/>
-          </a:p>
-        </p:txBody>
-      </p:sp>
-    </p:spTree>
-    <p:extLst>
-      <p:ext uri="{BB962C8B-B14F-4D97-AF65-F5344CB8AC3E}">
-        <p14:creationId xmlns:p14="http://schemas.microsoft.com/office/powerpoint/2010/main" val="3343403629"/>
-      </p:ext>
-    </p:extLst>
-  </p:cSld>
-  <p:clrMapOvr>
-    <a:masterClrMapping/>
-  </p:clrMapOvr>
-</p:sld>
-</file>
-
-<file path=ppt/slides/slide23.xml><?xml version="1.0" encoding="utf-8"?>
-<p:sld xmlns:a="http://schemas.openxmlformats.org/drawingml/2006/main" xmlns:r="http://schemas.openxmlformats.org/officeDocument/2006/relationships" xmlns:p="http://schemas.openxmlformats.org/presentationml/2006/main">
-  <p:cSld>
-    <p:spTree>
-      <p:nvGrpSpPr>
-        <p:cNvPr id="1" name=""/>
-        <p:cNvGrpSpPr/>
-        <p:nvPr/>
-      </p:nvGrpSpPr>
-      <p:grpSpPr>
-        <a:xfrm>
-          <a:off x="0" y="0"/>
-          <a:ext cx="0" cy="0"/>
-          <a:chOff x="0" y="0"/>
-          <a:chExt cx="0" cy="0"/>
-        </a:xfrm>
-      </p:grpSpPr>
-      <p:sp>
-        <p:nvSpPr>
-          <p:cNvPr id="2" name="Title 1"/>
-          <p:cNvSpPr>
-            <a:spLocks noGrp="1"/>
-          </p:cNvSpPr>
-          <p:nvPr>
-            <p:ph type="title"/>
-          </p:nvPr>
-        </p:nvSpPr>
-        <p:spPr/>
-        <p:txBody>
-          <a:bodyPr/>
-          <a:lstStyle/>
-          <a:p>
-            <a:r>
-              <a:rPr lang="en-CA" dirty="0" smtClean="0"/>
-              <a:t>offline applications</a:t>
-            </a:r>
-            <a:endParaRPr lang="en-CA" dirty="0"/>
-          </a:p>
-        </p:txBody>
-      </p:sp>
-      <p:sp>
-        <p:nvSpPr>
-          <p:cNvPr id="3" name="Content Placeholder 2"/>
-          <p:cNvSpPr>
-            <a:spLocks noGrp="1"/>
-          </p:cNvSpPr>
-          <p:nvPr>
-            <p:ph idx="1"/>
-          </p:nvPr>
-        </p:nvSpPr>
-        <p:spPr/>
-        <p:txBody>
-          <a:bodyPr/>
-          <a:lstStyle/>
-          <a:p>
-            <a:r>
-              <a:rPr lang="en-CA" dirty="0" smtClean="0"/>
               <a:t>State change events provided by the DOM allow you to determine where to retrieve data from</a:t>
             </a:r>
           </a:p>
@@ -9412,10 +8193,25 @@
   <p:clrMapOvr>
     <a:masterClrMapping/>
   </p:clrMapOvr>
+  <mc:AlternateContent xmlns:mc="http://schemas.openxmlformats.org/markup-compatibility/2006">
+    <mc:Choice xmlns:p14="http://schemas.microsoft.com/office/powerpoint/2010/main" Requires="p14">
+      <p:transition p14:dur="0"/>
+    </mc:Choice>
+    <mc:Fallback>
+      <p:transition/>
+    </mc:Fallback>
+  </mc:AlternateContent>
+  <p:timing>
+    <p:tnLst>
+      <p:par>
+        <p:cTn id="1" dur="indefinite" restart="never" nodeType="tmRoot"/>
+      </p:par>
+    </p:tnLst>
+  </p:timing>
 </p:sld>
 </file>
 
-<file path=ppt/slides/slide24.xml><?xml version="1.0" encoding="utf-8"?>
+<file path=ppt/slides/slide22.xml><?xml version="1.0" encoding="utf-8"?>
 <p:sld xmlns:a="http://schemas.openxmlformats.org/drawingml/2006/main" xmlns:r="http://schemas.openxmlformats.org/officeDocument/2006/relationships" xmlns:p="http://schemas.openxmlformats.org/presentationml/2006/main">
   <p:cSld>
     <p:spTree>
@@ -9622,13 +8418,25 @@
   <p:clrMapOvr>
     <a:masterClrMapping/>
   </p:clrMapOvr>
-  <p:transition>
-    <p:fade/>
-  </p:transition>
+  <mc:AlternateContent xmlns:mc="http://schemas.openxmlformats.org/markup-compatibility/2006">
+    <mc:Choice xmlns:p14="http://schemas.microsoft.com/office/powerpoint/2010/main" Requires="p14">
+      <p:transition p14:dur="0"/>
+    </mc:Choice>
+    <mc:Fallback>
+      <p:transition/>
+    </mc:Fallback>
+  </mc:AlternateContent>
+  <p:timing>
+    <p:tnLst>
+      <p:par>
+        <p:cTn id="1" dur="indefinite" restart="never" nodeType="tmRoot"/>
+      </p:par>
+    </p:tnLst>
+  </p:timing>
 </p:sld>
 </file>
 
-<file path=ppt/slides/slide25.xml><?xml version="1.0" encoding="utf-8"?>
+<file path=ppt/slides/slide23.xml><?xml version="1.0" encoding="utf-8"?>
 <p:sld xmlns:a="http://schemas.openxmlformats.org/drawingml/2006/main" xmlns:r="http://schemas.openxmlformats.org/officeDocument/2006/relationships" xmlns:p="http://schemas.openxmlformats.org/presentationml/2006/main">
   <p:cSld>
     <p:spTree>
@@ -9739,11 +8547,7 @@
             <a:pPr lvl="1"/>
             <a:r>
               <a:rPr lang="en-CA" dirty="0" smtClean="0"/>
-              <a:t>Implement feature </a:t>
-            </a:r>
-            <a:r>
-              <a:rPr lang="en-CA" dirty="0" smtClean="0"/>
-              <a:t>detection – </a:t>
+              <a:t>Implement feature detection – </a:t>
             </a:r>
             <a:r>
               <a:rPr lang="en-CA" dirty="0" smtClean="0">
@@ -9774,11 +8578,7 @@
             </a:r>
             <a:r>
               <a:rPr lang="en-CA" dirty="0" smtClean="0"/>
-              <a:t> </a:t>
-            </a:r>
-            <a:r>
-              <a:rPr lang="en-CA" dirty="0" smtClean="0"/>
-              <a:t>when needed – </a:t>
+              <a:t> when needed – </a:t>
             </a:r>
             <a:r>
               <a:rPr lang="en-CA" dirty="0" smtClean="0">
@@ -9796,15 +8596,7 @@
           <a:p>
             <a:r>
               <a:rPr lang="en-CA" dirty="0" smtClean="0"/>
-              <a:t>Advocate </a:t>
-            </a:r>
-            <a:r>
-              <a:rPr lang="en-CA" dirty="0" smtClean="0"/>
-              <a:t>with stakeholders </a:t>
-            </a:r>
-            <a:r>
-              <a:rPr lang="en-CA" dirty="0" smtClean="0"/>
-              <a:t>on</a:t>
+              <a:t>Advocate with stakeholders on</a:t>
             </a:r>
           </a:p>
           <a:p>
@@ -9874,9 +8666,14 @@
   <p:clrMapOvr>
     <a:masterClrMapping/>
   </p:clrMapOvr>
-  <p:transition>
-    <p:fade/>
-  </p:transition>
+  <mc:AlternateContent xmlns:mc="http://schemas.openxmlformats.org/markup-compatibility/2006">
+    <mc:Choice xmlns:p14="http://schemas.microsoft.com/office/powerpoint/2010/main" Requires="p14">
+      <p:transition p14:dur="0"/>
+    </mc:Choice>
+    <mc:Fallback>
+      <p:transition/>
+    </mc:Fallback>
+  </mc:AlternateContent>
   <p:timing>
     <p:tnLst>
       <p:par>
@@ -9887,7 +8684,7 @@
 </p:sld>
 </file>
 
-<file path=ppt/slides/slide26.xml><?xml version="1.0" encoding="utf-8"?>
+<file path=ppt/slides/slide24.xml><?xml version="1.0" encoding="utf-8"?>
 <p:sld xmlns:a="http://schemas.openxmlformats.org/drawingml/2006/main" xmlns:r="http://schemas.openxmlformats.org/officeDocument/2006/relationships" xmlns:p="http://schemas.openxmlformats.org/presentationml/2006/main">
   <p:cSld>
     <p:spTree>
@@ -10220,9 +9017,14 @@
   <p:clrMapOvr>
     <a:masterClrMapping/>
   </p:clrMapOvr>
-  <p:transition>
-    <p:fade/>
-  </p:transition>
+  <mc:AlternateContent xmlns:mc="http://schemas.openxmlformats.org/markup-compatibility/2006">
+    <mc:Choice xmlns:p14="http://schemas.microsoft.com/office/powerpoint/2010/main" Requires="p14">
+      <p:transition p14:dur="0"/>
+    </mc:Choice>
+    <mc:Fallback>
+      <p:transition/>
+    </mc:Fallback>
+  </mc:AlternateContent>
   <p:timing>
     <p:tnLst>
       <p:par>
@@ -10233,7 +9035,7 @@
 </p:sld>
 </file>
 
-<file path=ppt/slides/slide27.xml><?xml version="1.0" encoding="utf-8"?>
+<file path=ppt/slides/slide25.xml><?xml version="1.0" encoding="utf-8"?>
 <p:sld xmlns:a="http://schemas.openxmlformats.org/drawingml/2006/main" xmlns:r="http://schemas.openxmlformats.org/officeDocument/2006/relationships" xmlns:p="http://schemas.openxmlformats.org/presentationml/2006/main">
   <p:cSld>
     <p:spTree>
@@ -10395,9 +9197,14 @@
   <p:clrMapOvr>
     <a:masterClrMapping/>
   </p:clrMapOvr>
-  <p:transition>
-    <p:fade/>
-  </p:transition>
+  <mc:AlternateContent xmlns:mc="http://schemas.openxmlformats.org/markup-compatibility/2006">
+    <mc:Choice xmlns:p14="http://schemas.microsoft.com/office/powerpoint/2010/main" Requires="p14">
+      <p:transition p14:dur="0"/>
+    </mc:Choice>
+    <mc:Fallback>
+      <p:transition/>
+    </mc:Fallback>
+  </mc:AlternateContent>
   <p:timing>
     <p:tnLst>
       <p:par>
@@ -10408,7 +9215,7 @@
 </p:sld>
 </file>
 
-<file path=ppt/slides/slide28.xml><?xml version="1.0" encoding="utf-8"?>
+<file path=ppt/slides/slide26.xml><?xml version="1.0" encoding="utf-8"?>
 <p:sld xmlns:a="http://schemas.openxmlformats.org/drawingml/2006/main" xmlns:r="http://schemas.openxmlformats.org/officeDocument/2006/relationships" xmlns:p="http://schemas.openxmlformats.org/presentationml/2006/main">
   <p:cSld>
     <p:spTree>
@@ -10546,9 +9353,14 @@
   <p:clrMapOvr>
     <a:masterClrMapping/>
   </p:clrMapOvr>
-  <p:transition>
-    <p:fade/>
-  </p:transition>
+  <mc:AlternateContent xmlns:mc="http://schemas.openxmlformats.org/markup-compatibility/2006">
+    <mc:Choice xmlns:p14="http://schemas.microsoft.com/office/powerpoint/2010/main" Requires="p14">
+      <p:transition p14:dur="0"/>
+    </mc:Choice>
+    <mc:Fallback>
+      <p:transition/>
+    </mc:Fallback>
+  </mc:AlternateContent>
   <p:timing>
     <p:tnLst>
       <p:par>
@@ -10559,7 +9371,7 @@
 </p:sld>
 </file>
 
-<file path=ppt/slides/slide29.xml><?xml version="1.0" encoding="utf-8"?>
+<file path=ppt/slides/slide27.xml><?xml version="1.0" encoding="utf-8"?>
 <p:sld xmlns:a="http://schemas.openxmlformats.org/drawingml/2006/main" xmlns:r="http://schemas.openxmlformats.org/officeDocument/2006/relationships" xmlns:p="http://schemas.openxmlformats.org/presentationml/2006/main">
   <p:cSld>
     <p:spTree>
@@ -10586,9 +9398,14 @@
   <p:clrMapOvr>
     <a:masterClrMapping/>
   </p:clrMapOvr>
-  <p:transition>
-    <p:fade/>
-  </p:transition>
+  <mc:AlternateContent xmlns:mc="http://schemas.openxmlformats.org/markup-compatibility/2006">
+    <mc:Choice xmlns:p14="http://schemas.microsoft.com/office/powerpoint/2010/main" Requires="p14">
+      <p:transition p14:dur="0"/>
+    </mc:Choice>
+    <mc:Fallback>
+      <p:transition/>
+    </mc:Fallback>
+  </mc:AlternateContent>
   <p:timing>
     <p:tnLst>
       <p:par>
@@ -10599,159 +9416,7 @@
 </p:sld>
 </file>
 
-<file path=ppt/slides/slide3.xml><?xml version="1.0" encoding="utf-8"?>
-<p:sld xmlns:a="http://schemas.openxmlformats.org/drawingml/2006/main" xmlns:r="http://schemas.openxmlformats.org/officeDocument/2006/relationships" xmlns:p="http://schemas.openxmlformats.org/presentationml/2006/main" show="0">
-  <p:cSld>
-    <p:spTree>
-      <p:nvGrpSpPr>
-        <p:cNvPr id="1" name=""/>
-        <p:cNvGrpSpPr/>
-        <p:nvPr/>
-      </p:nvGrpSpPr>
-      <p:grpSpPr>
-        <a:xfrm>
-          <a:off x="0" y="0"/>
-          <a:ext cx="0" cy="0"/>
-          <a:chOff x="0" y="0"/>
-          <a:chExt cx="0" cy="0"/>
-        </a:xfrm>
-      </p:grpSpPr>
-      <p:sp>
-        <p:nvSpPr>
-          <p:cNvPr id="2" name="Title 1"/>
-          <p:cNvSpPr>
-            <a:spLocks noGrp="1"/>
-          </p:cNvSpPr>
-          <p:nvPr>
-            <p:ph type="title"/>
-          </p:nvPr>
-        </p:nvSpPr>
-        <p:spPr/>
-        <p:txBody>
-          <a:bodyPr/>
-          <a:lstStyle/>
-          <a:p>
-            <a:r>
-              <a:rPr lang="en-GB" smtClean="0"/>
-              <a:t>scrub checklist</a:t>
-            </a:r>
-            <a:endParaRPr lang="en-GB" dirty="0"/>
-          </a:p>
-        </p:txBody>
-      </p:sp>
-      <p:sp>
-        <p:nvSpPr>
-          <p:cNvPr id="14" name="Text Placeholder 13"/>
-          <p:cNvSpPr>
-            <a:spLocks noGrp="1"/>
-          </p:cNvSpPr>
-          <p:nvPr>
-            <p:ph type="body" sz="quarter" idx="10"/>
-          </p:nvPr>
-        </p:nvSpPr>
-        <p:spPr/>
-        <p:txBody>
-          <a:bodyPr>
-            <a:normAutofit fontScale="62500" lnSpcReduction="20000"/>
-          </a:bodyPr>
-          <a:lstStyle/>
-          <a:p>
-            <a:r>
-              <a:rPr lang="en-US" dirty="0" smtClean="0"/>
-              <a:t>Note: All virtual machines created for use at TechDays MUST be created and tested to work on Windows Server 2008 R2 SP1 Hyper-V</a:t>
-            </a:r>
-          </a:p>
-          <a:p>
-            <a:r>
-              <a:rPr lang="en-US" dirty="0" smtClean="0"/>
-              <a:t>Submit your final deck to your Content Lead on or before </a:t>
-            </a:r>
-            <a:r>
-              <a:rPr lang="en-US" dirty="0" smtClean="0">
-                <a:solidFill>
-                  <a:srgbClr val="FF0000"/>
-                </a:solidFill>
-              </a:rPr>
-              <a:t>September 30, 2011</a:t>
-            </a:r>
-            <a:r>
-              <a:rPr lang="en-US" dirty="0" smtClean="0"/>
-              <a:t>.</a:t>
-            </a:r>
-          </a:p>
-          <a:p>
-            <a:endParaRPr lang="en-GB" dirty="0" smtClean="0"/>
-          </a:p>
-          <a:p>
-            <a:r>
-              <a:rPr lang="en-US" dirty="0" smtClean="0"/>
-              <a:t>Required slides must NOT be removed</a:t>
-            </a:r>
-          </a:p>
-          <a:p>
-            <a:r>
-              <a:rPr lang="en-US" dirty="0" smtClean="0"/>
-              <a:t>Do NOT include any non-template logos and graphics from the walk-in slide </a:t>
-            </a:r>
-          </a:p>
-          <a:p>
-            <a:r>
-              <a:rPr lang="en-US" b="1" u="sng" dirty="0" smtClean="0"/>
-              <a:t>Do</a:t>
-            </a:r>
-            <a:r>
-              <a:rPr lang="en-US" dirty="0" smtClean="0"/>
-              <a:t> include  comments, hidden slides and speaker notes  in the deck to help speakers in other cities prepare to deliver the content  and for content review by Content Leads</a:t>
-            </a:r>
-          </a:p>
-          <a:p>
-            <a:r>
-              <a:rPr lang="en-US" dirty="0" smtClean="0"/>
-              <a:t>Notify Damir Bersinic (damirb@microsoft.com) of any images identified as unlicensed for escalation</a:t>
-            </a:r>
-          </a:p>
-          <a:p>
-            <a:endParaRPr lang="en-US" dirty="0" smtClean="0"/>
-          </a:p>
-          <a:p>
-            <a:r>
-              <a:rPr lang="en-US" dirty="0" smtClean="0"/>
-              <a:t>Use the provided event template and associated colors, fonts, layout and transition slides</a:t>
-            </a:r>
-          </a:p>
-          <a:p>
-            <a:r>
-              <a:rPr lang="en-US" dirty="0" smtClean="0"/>
-              <a:t>Correct product names to follow applicable branding rules</a:t>
-            </a:r>
-            <a:endParaRPr lang="en-US" dirty="0"/>
-          </a:p>
-        </p:txBody>
-      </p:sp>
-    </p:spTree>
-    <p:extLst>
-      <p:ext uri="{BB962C8B-B14F-4D97-AF65-F5344CB8AC3E}">
-        <p14:creationId xmlns:p14="http://schemas.microsoft.com/office/powerpoint/2010/main" val="4114965561"/>
-      </p:ext>
-    </p:extLst>
-  </p:cSld>
-  <p:clrMapOvr>
-    <a:masterClrMapping/>
-  </p:clrMapOvr>
-  <p:transition>
-    <p:fade/>
-  </p:transition>
-  <p:timing>
-    <p:tnLst>
-      <p:par>
-        <p:cTn id="1" dur="indefinite" restart="never" nodeType="tmRoot"/>
-      </p:par>
-    </p:tnLst>
-  </p:timing>
-</p:sld>
-</file>
-
-<file path=ppt/slides/slide30.xml><?xml version="1.0" encoding="utf-8"?>
+<file path=ppt/slides/slide28.xml><?xml version="1.0" encoding="utf-8"?>
 <p:sld xmlns:a="http://schemas.openxmlformats.org/drawingml/2006/main" xmlns:r="http://schemas.openxmlformats.org/officeDocument/2006/relationships" xmlns:p="http://schemas.openxmlformats.org/presentationml/2006/main">
   <p:cSld>
     <p:spTree>
@@ -10778,9 +9443,14 @@
   <p:clrMapOvr>
     <a:masterClrMapping/>
   </p:clrMapOvr>
-  <p:transition>
-    <p:fade/>
-  </p:transition>
+  <mc:AlternateContent xmlns:mc="http://schemas.openxmlformats.org/markup-compatibility/2006">
+    <mc:Choice xmlns:p14="http://schemas.microsoft.com/office/powerpoint/2010/main" Requires="p14">
+      <p:transition p14:dur="0"/>
+    </mc:Choice>
+    <mc:Fallback>
+      <p:transition/>
+    </mc:Fallback>
+  </mc:AlternateContent>
   <p:timing>
     <p:tnLst>
       <p:par>
@@ -10791,103 +9461,7 @@
 </p:sld>
 </file>
 
-<file path=ppt/slides/slide4.xml><?xml version="1.0" encoding="utf-8"?>
-<p:sld xmlns:a="http://schemas.openxmlformats.org/drawingml/2006/main" xmlns:r="http://schemas.openxmlformats.org/officeDocument/2006/relationships" xmlns:p="http://schemas.openxmlformats.org/presentationml/2006/main">
-  <p:cSld>
-    <p:spTree>
-      <p:nvGrpSpPr>
-        <p:cNvPr id="1" name=""/>
-        <p:cNvGrpSpPr/>
-        <p:nvPr/>
-      </p:nvGrpSpPr>
-      <p:grpSpPr>
-        <a:xfrm>
-          <a:off x="0" y="0"/>
-          <a:ext cx="0" cy="0"/>
-          <a:chOff x="0" y="0"/>
-          <a:chExt cx="0" cy="0"/>
-        </a:xfrm>
-      </p:grpSpPr>
-      <p:sp>
-        <p:nvSpPr>
-          <p:cNvPr id="4" name="Title 3"/>
-          <p:cNvSpPr>
-            <a:spLocks noGrp="1"/>
-          </p:cNvSpPr>
-          <p:nvPr>
-            <p:ph type="title"/>
-          </p:nvPr>
-        </p:nvSpPr>
-        <p:spPr/>
-        <p:txBody>
-          <a:bodyPr/>
-          <a:lstStyle/>
-          <a:p>
-            <a:r>
-              <a:rPr lang="en-CA" dirty="0" smtClean="0"/>
-              <a:t>our </a:t>
-            </a:r>
-            <a:r>
-              <a:rPr lang="en-CA" dirty="0"/>
-              <a:t>j</a:t>
-            </a:r>
-            <a:r>
-              <a:rPr lang="en-CA" dirty="0" smtClean="0"/>
-              <a:t>ourney today</a:t>
-            </a:r>
-            <a:endParaRPr lang="en-CA" dirty="0"/>
-          </a:p>
-        </p:txBody>
-      </p:sp>
-      <p:graphicFrame>
-        <p:nvGraphicFramePr>
-          <p:cNvPr id="2" name="Content Placeholder 1"/>
-          <p:cNvGraphicFramePr>
-            <a:graphicFrameLocks noGrp="1"/>
-          </p:cNvGraphicFramePr>
-          <p:nvPr>
-            <p:ph idx="1"/>
-            <p:extLst>
-              <p:ext uri="{D42A27DB-BD31-4B8C-83A1-F6EECF244321}">
-                <p14:modId xmlns:p14="http://schemas.microsoft.com/office/powerpoint/2010/main" val="2719301955"/>
-              </p:ext>
-            </p:extLst>
-          </p:nvPr>
-        </p:nvGraphicFramePr>
-        <p:xfrm>
-          <a:off x="342900" y="1266825"/>
-          <a:ext cx="8458200" cy="4191000"/>
-        </p:xfrm>
-        <a:graphic>
-          <a:graphicData uri="http://schemas.openxmlformats.org/drawingml/2006/diagram">
-            <dgm:relIds xmlns:dgm="http://schemas.openxmlformats.org/drawingml/2006/diagram" xmlns:r="http://schemas.openxmlformats.org/officeDocument/2006/relationships" r:dm="rId2" r:lo="rId3" r:qs="rId4" r:cs="rId5"/>
-          </a:graphicData>
-        </a:graphic>
-      </p:graphicFrame>
-    </p:spTree>
-    <p:extLst>
-      <p:ext uri="{BB962C8B-B14F-4D97-AF65-F5344CB8AC3E}">
-        <p14:creationId xmlns:p14="http://schemas.microsoft.com/office/powerpoint/2010/main" val="3044314438"/>
-      </p:ext>
-    </p:extLst>
-  </p:cSld>
-  <p:clrMapOvr>
-    <a:masterClrMapping/>
-  </p:clrMapOvr>
-  <p:transition>
-    <p:fade/>
-  </p:transition>
-  <p:timing>
-    <p:tnLst>
-      <p:par>
-        <p:cTn id="1" dur="indefinite" restart="never" nodeType="tmRoot"/>
-      </p:par>
-    </p:tnLst>
-  </p:timing>
-</p:sld>
-</file>
-
-<file path=ppt/slides/slide5.xml><?xml version="1.0" encoding="utf-8"?>
+<file path=ppt/slides/slide3.xml><?xml version="1.0" encoding="utf-8"?>
 <p:sld xmlns:a="http://schemas.openxmlformats.org/drawingml/2006/main" xmlns:r="http://schemas.openxmlformats.org/officeDocument/2006/relationships" xmlns:p="http://schemas.openxmlformats.org/presentationml/2006/main">
   <p:cSld>
     <p:spTree>
@@ -11096,9 +9670,14 @@
   <p:clrMapOvr>
     <a:masterClrMapping/>
   </p:clrMapOvr>
-  <p:transition>
-    <p:fade/>
-  </p:transition>
+  <mc:AlternateContent xmlns:mc="http://schemas.openxmlformats.org/markup-compatibility/2006">
+    <mc:Choice xmlns:p14="http://schemas.microsoft.com/office/powerpoint/2010/main" Requires="p14">
+      <p:transition p14:dur="0"/>
+    </mc:Choice>
+    <mc:Fallback>
+      <p:transition/>
+    </mc:Fallback>
+  </mc:AlternateContent>
   <p:timing>
     <p:tnLst>
       <p:par>
@@ -11109,7 +9688,7 @@
 </p:sld>
 </file>
 
-<file path=ppt/slides/slide6.xml><?xml version="1.0" encoding="utf-8"?>
+<file path=ppt/slides/slide4.xml><?xml version="1.0" encoding="utf-8"?>
 <p:sld xmlns:a="http://schemas.openxmlformats.org/drawingml/2006/main" xmlns:r="http://schemas.openxmlformats.org/officeDocument/2006/relationships" xmlns:p="http://schemas.openxmlformats.org/presentationml/2006/main">
   <p:cSld>
     <p:spTree>
@@ -11428,9 +10007,14 @@
   <p:clrMapOvr>
     <a:masterClrMapping/>
   </p:clrMapOvr>
-  <p:transition>
-    <p:fade/>
-  </p:transition>
+  <mc:AlternateContent xmlns:mc="http://schemas.openxmlformats.org/markup-compatibility/2006">
+    <mc:Choice xmlns:p14="http://schemas.microsoft.com/office/powerpoint/2010/main" Requires="p14">
+      <p:transition p14:dur="0"/>
+    </mc:Choice>
+    <mc:Fallback>
+      <p:transition/>
+    </mc:Fallback>
+  </mc:AlternateContent>
   <p:timing>
     <p:tnLst>
       <p:par>
@@ -11441,7 +10025,7 @@
 </p:sld>
 </file>
 
-<file path=ppt/slides/slide7.xml><?xml version="1.0" encoding="utf-8"?>
+<file path=ppt/slides/slide5.xml><?xml version="1.0" encoding="utf-8"?>
 <p:sld xmlns:a="http://schemas.openxmlformats.org/drawingml/2006/main" xmlns:r="http://schemas.openxmlformats.org/officeDocument/2006/relationships" xmlns:p="http://schemas.openxmlformats.org/presentationml/2006/main">
   <p:cSld>
     <p:spTree>
@@ -11765,6 +10349,14 @@
   <p:clrMapOvr>
     <a:masterClrMapping/>
   </p:clrMapOvr>
+  <mc:AlternateContent xmlns:mc="http://schemas.openxmlformats.org/markup-compatibility/2006">
+    <mc:Choice xmlns:p14="http://schemas.microsoft.com/office/powerpoint/2010/main" Requires="p14">
+      <p:transition p14:dur="0"/>
+    </mc:Choice>
+    <mc:Fallback>
+      <p:transition/>
+    </mc:Fallback>
+  </mc:AlternateContent>
   <p:timing>
     <p:tnLst>
       <p:par>
@@ -11775,7 +10367,7 @@
 </p:sld>
 </file>
 
-<file path=ppt/slides/slide8.xml><?xml version="1.0" encoding="utf-8"?>
+<file path=ppt/slides/slide6.xml><?xml version="1.0" encoding="utf-8"?>
 <p:sld xmlns:a="http://schemas.openxmlformats.org/drawingml/2006/main" xmlns:r="http://schemas.openxmlformats.org/officeDocument/2006/relationships" xmlns:p="http://schemas.openxmlformats.org/presentationml/2006/main">
   <p:cSld>
     <p:bg>
@@ -12051,6 +10643,14 @@
   <p:clrMapOvr>
     <a:masterClrMapping/>
   </p:clrMapOvr>
+  <mc:AlternateContent xmlns:mc="http://schemas.openxmlformats.org/markup-compatibility/2006">
+    <mc:Choice xmlns:p14="http://schemas.microsoft.com/office/powerpoint/2010/main" Requires="p14">
+      <p:transition p14:dur="0"/>
+    </mc:Choice>
+    <mc:Fallback>
+      <p:transition/>
+    </mc:Fallback>
+  </mc:AlternateContent>
   <p:timing>
     <p:tnLst>
       <p:par>
@@ -12061,7 +10661,7 @@
 </p:sld>
 </file>
 
-<file path=ppt/slides/slide9.xml><?xml version="1.0" encoding="utf-8"?>
+<file path=ppt/slides/slide7.xml><?xml version="1.0" encoding="utf-8"?>
 <p:sld xmlns:a="http://schemas.openxmlformats.org/drawingml/2006/main" xmlns:r="http://schemas.openxmlformats.org/officeDocument/2006/relationships" xmlns:p="http://schemas.openxmlformats.org/presentationml/2006/main">
   <p:cSld>
     <p:spTree>
@@ -12398,9 +10998,438 @@
   <p:clrMapOvr>
     <a:masterClrMapping/>
   </p:clrMapOvr>
-  <p:transition>
-    <p:fade/>
-  </p:transition>
+  <mc:AlternateContent xmlns:mc="http://schemas.openxmlformats.org/markup-compatibility/2006">
+    <mc:Choice xmlns:p14="http://schemas.microsoft.com/office/powerpoint/2010/main" Requires="p14">
+      <p:transition p14:dur="0"/>
+    </mc:Choice>
+    <mc:Fallback>
+      <p:transition/>
+    </mc:Fallback>
+  </mc:AlternateContent>
+  <p:timing>
+    <p:tnLst>
+      <p:par>
+        <p:cTn id="1" dur="indefinite" restart="never" nodeType="tmRoot"/>
+      </p:par>
+    </p:tnLst>
+  </p:timing>
+</p:sld>
+</file>
+
+<file path=ppt/slides/slide8.xml><?xml version="1.0" encoding="utf-8"?>
+<p:sld xmlns:a="http://schemas.openxmlformats.org/drawingml/2006/main" xmlns:r="http://schemas.openxmlformats.org/officeDocument/2006/relationships" xmlns:p="http://schemas.openxmlformats.org/presentationml/2006/main">
+  <p:cSld>
+    <p:spTree>
+      <p:nvGrpSpPr>
+        <p:cNvPr id="1" name=""/>
+        <p:cNvGrpSpPr/>
+        <p:nvPr/>
+      </p:nvGrpSpPr>
+      <p:grpSpPr>
+        <a:xfrm>
+          <a:off x="0" y="0"/>
+          <a:ext cx="0" cy="0"/>
+          <a:chOff x="0" y="0"/>
+          <a:chExt cx="0" cy="0"/>
+        </a:xfrm>
+      </p:grpSpPr>
+      <p:sp>
+        <p:nvSpPr>
+          <p:cNvPr id="2" name="Title 1"/>
+          <p:cNvSpPr>
+            <a:spLocks noGrp="1"/>
+          </p:cNvSpPr>
+          <p:nvPr>
+            <p:ph type="title"/>
+          </p:nvPr>
+        </p:nvSpPr>
+        <p:spPr/>
+        <p:txBody>
+          <a:bodyPr/>
+          <a:lstStyle/>
+          <a:p>
+            <a:r>
+              <a:rPr lang="en-CA" dirty="0" smtClean="0"/>
+              <a:t>feature detection</a:t>
+            </a:r>
+            <a:endParaRPr lang="en-CA" dirty="0"/>
+          </a:p>
+        </p:txBody>
+      </p:sp>
+      <p:sp>
+        <p:nvSpPr>
+          <p:cNvPr id="3" name="Content Placeholder 2"/>
+          <p:cNvSpPr>
+            <a:spLocks noGrp="1"/>
+          </p:cNvSpPr>
+          <p:nvPr>
+            <p:ph idx="1"/>
+          </p:nvPr>
+        </p:nvSpPr>
+        <p:spPr/>
+        <p:txBody>
+          <a:bodyPr>
+            <a:normAutofit/>
+          </a:bodyPr>
+          <a:lstStyle/>
+          <a:p>
+            <a:r>
+              <a:rPr lang="en-CA" dirty="0" smtClean="0"/>
+              <a:t>Supporting older browsers is not as painful</a:t>
+            </a:r>
+          </a:p>
+          <a:p>
+            <a:r>
+              <a:rPr lang="en-CA" dirty="0"/>
+              <a:t>10+ years to see the light</a:t>
+            </a:r>
+          </a:p>
+          <a:p>
+            <a:pPr lvl="1"/>
+            <a:r>
+              <a:rPr lang="en-CA" dirty="0"/>
+              <a:t>More smart people focused on the problem</a:t>
+            </a:r>
+          </a:p>
+          <a:p>
+            <a:pPr lvl="1"/>
+            <a:r>
+              <a:rPr lang="en-CA" dirty="0"/>
+              <a:t>Deeper knowledge and tooling for JavaScript</a:t>
+            </a:r>
+          </a:p>
+          <a:p>
+            <a:r>
+              <a:rPr lang="en-CA" dirty="0" err="1" smtClean="0"/>
+              <a:t>Polyfills</a:t>
+            </a:r>
+            <a:r>
+              <a:rPr lang="en-CA" dirty="0" smtClean="0"/>
+              <a:t> close the gaps by manipulating the DOM to enable support of new features</a:t>
+            </a:r>
+          </a:p>
+          <a:p>
+            <a:pPr lvl="1"/>
+            <a:r>
+              <a:rPr lang="en-CA" dirty="0" smtClean="0">
+                <a:latin typeface="Consolas" pitchFamily="49" charset="0"/>
+                <a:cs typeface="Consolas" pitchFamily="49" charset="0"/>
+                <a:hlinkClick r:id="rId2"/>
+              </a:rPr>
+              <a:t>colinb.me/Html5Polyfills</a:t>
+            </a:r>
+            <a:endParaRPr lang="en-CA" dirty="0" smtClean="0">
+              <a:latin typeface="Consolas" pitchFamily="49" charset="0"/>
+              <a:cs typeface="Consolas" pitchFamily="49" charset="0"/>
+            </a:endParaRPr>
+          </a:p>
+          <a:p>
+            <a:pPr lvl="1"/>
+            <a:r>
+              <a:rPr lang="en-CA" dirty="0" smtClean="0">
+                <a:latin typeface="Consolas" pitchFamily="49" charset="0"/>
+                <a:cs typeface="Consolas" pitchFamily="49" charset="0"/>
+                <a:hlinkClick r:id="rId3"/>
+              </a:rPr>
+              <a:t>colinb.me/</a:t>
+            </a:r>
+            <a:r>
+              <a:rPr lang="en-CA" dirty="0" err="1" smtClean="0">
+                <a:latin typeface="Consolas" pitchFamily="49" charset="0"/>
+                <a:cs typeface="Consolas" pitchFamily="49" charset="0"/>
+                <a:hlinkClick r:id="rId3"/>
+              </a:rPr>
+              <a:t>XBrowserTest</a:t>
+            </a:r>
+            <a:endParaRPr lang="en-CA" dirty="0">
+              <a:latin typeface="Consolas" pitchFamily="49" charset="0"/>
+              <a:cs typeface="Consolas" pitchFamily="49" charset="0"/>
+            </a:endParaRPr>
+          </a:p>
+        </p:txBody>
+      </p:sp>
+    </p:spTree>
+    <p:extLst>
+      <p:ext uri="{BB962C8B-B14F-4D97-AF65-F5344CB8AC3E}">
+        <p14:creationId xmlns:p14="http://schemas.microsoft.com/office/powerpoint/2010/main" val="233684133"/>
+      </p:ext>
+    </p:extLst>
+  </p:cSld>
+  <p:clrMapOvr>
+    <a:masterClrMapping/>
+  </p:clrMapOvr>
+  <mc:AlternateContent xmlns:mc="http://schemas.openxmlformats.org/markup-compatibility/2006">
+    <mc:Choice xmlns:p14="http://schemas.microsoft.com/office/powerpoint/2010/main" Requires="p14">
+      <p:transition p14:dur="0"/>
+    </mc:Choice>
+    <mc:Fallback>
+      <p:transition/>
+    </mc:Fallback>
+  </mc:AlternateContent>
+  <p:timing>
+    <p:tnLst>
+      <p:par>
+        <p:cTn id="1" dur="indefinite" restart="never" nodeType="tmRoot"/>
+      </p:par>
+    </p:tnLst>
+  </p:timing>
+</p:sld>
+</file>
+
+<file path=ppt/slides/slide9.xml><?xml version="1.0" encoding="utf-8"?>
+<p:sld xmlns:a="http://schemas.openxmlformats.org/drawingml/2006/main" xmlns:r="http://schemas.openxmlformats.org/officeDocument/2006/relationships" xmlns:p="http://schemas.openxmlformats.org/presentationml/2006/main">
+  <p:cSld>
+    <p:spTree>
+      <p:nvGrpSpPr>
+        <p:cNvPr id="1" name=""/>
+        <p:cNvGrpSpPr/>
+        <p:nvPr/>
+      </p:nvGrpSpPr>
+      <p:grpSpPr>
+        <a:xfrm>
+          <a:off x="0" y="0"/>
+          <a:ext cx="0" cy="0"/>
+          <a:chOff x="0" y="0"/>
+          <a:chExt cx="0" cy="0"/>
+        </a:xfrm>
+      </p:grpSpPr>
+      <p:sp>
+        <p:nvSpPr>
+          <p:cNvPr id="2" name="Title 1"/>
+          <p:cNvSpPr>
+            <a:spLocks noGrp="1"/>
+          </p:cNvSpPr>
+          <p:nvPr>
+            <p:ph type="title"/>
+          </p:nvPr>
+        </p:nvSpPr>
+        <p:spPr/>
+        <p:txBody>
+          <a:bodyPr/>
+          <a:lstStyle/>
+          <a:p>
+            <a:r>
+              <a:rPr lang="en-CA" dirty="0" smtClean="0"/>
+              <a:t>user experience is key</a:t>
+            </a:r>
+            <a:endParaRPr lang="en-CA" dirty="0"/>
+          </a:p>
+        </p:txBody>
+      </p:sp>
+      <p:sp>
+        <p:nvSpPr>
+          <p:cNvPr id="3" name="Content Placeholder 2"/>
+          <p:cNvSpPr>
+            <a:spLocks noGrp="1"/>
+          </p:cNvSpPr>
+          <p:nvPr>
+            <p:ph idx="1"/>
+          </p:nvPr>
+        </p:nvSpPr>
+        <p:spPr/>
+        <p:txBody>
+          <a:bodyPr>
+            <a:normAutofit/>
+          </a:bodyPr>
+          <a:lstStyle/>
+          <a:p>
+            <a:r>
+              <a:rPr lang="en-CA" dirty="0" smtClean="0"/>
+              <a:t>Build with your user in mind</a:t>
+            </a:r>
+          </a:p>
+          <a:p>
+            <a:pPr marL="971550" lvl="1" indent="-514350">
+              <a:buFont typeface="+mj-lt"/>
+              <a:buAutoNum type="arabicPeriod"/>
+            </a:pPr>
+            <a:r>
+              <a:rPr lang="en-CA" dirty="0"/>
+              <a:t>Identify </a:t>
+            </a:r>
+            <a:r>
+              <a:rPr lang="en-CA" dirty="0" smtClean="0"/>
+              <a:t>personas + </a:t>
+            </a:r>
+            <a:br>
+              <a:rPr lang="en-CA" dirty="0" smtClean="0"/>
+            </a:br>
+            <a:r>
+              <a:rPr lang="en-CA" dirty="0" smtClean="0"/>
+              <a:t>key scenarios</a:t>
+            </a:r>
+          </a:p>
+          <a:p>
+            <a:pPr marL="971550" lvl="1" indent="-514350">
+              <a:buFont typeface="+mj-lt"/>
+              <a:buAutoNum type="arabicPeriod"/>
+            </a:pPr>
+            <a:endParaRPr lang="en-CA" sz="1300" dirty="0"/>
+          </a:p>
+          <a:p>
+            <a:pPr marL="971550" lvl="1" indent="-514350">
+              <a:buFont typeface="+mj-lt"/>
+              <a:buAutoNum type="arabicPeriod"/>
+            </a:pPr>
+            <a:r>
+              <a:rPr lang="en-CA" dirty="0" smtClean="0"/>
+              <a:t>Interview potential users</a:t>
+            </a:r>
+          </a:p>
+          <a:p>
+            <a:pPr marL="971550" lvl="1" indent="-514350">
+              <a:buFont typeface="+mj-lt"/>
+              <a:buAutoNum type="arabicPeriod"/>
+            </a:pPr>
+            <a:endParaRPr lang="en-CA" sz="1200" dirty="0"/>
+          </a:p>
+          <a:p>
+            <a:pPr marL="971550" lvl="1" indent="-514350">
+              <a:buFont typeface="+mj-lt"/>
+              <a:buAutoNum type="arabicPeriod"/>
+            </a:pPr>
+            <a:r>
+              <a:rPr lang="en-CA" dirty="0" smtClean="0"/>
+              <a:t>Sketch possibilities +</a:t>
+            </a:r>
+            <a:br>
+              <a:rPr lang="en-CA" dirty="0" smtClean="0"/>
+            </a:br>
+            <a:r>
+              <a:rPr lang="en-CA" dirty="0"/>
+              <a:t>g</a:t>
+            </a:r>
+            <a:r>
+              <a:rPr lang="en-CA" dirty="0" smtClean="0"/>
+              <a:t>et feedback</a:t>
+            </a:r>
+          </a:p>
+          <a:p>
+            <a:pPr marL="971550" lvl="1" indent="-514350">
+              <a:buFont typeface="+mj-lt"/>
+              <a:buAutoNum type="arabicPeriod"/>
+            </a:pPr>
+            <a:endParaRPr lang="en-CA" sz="1200" dirty="0" smtClean="0"/>
+          </a:p>
+          <a:p>
+            <a:pPr marL="971550" lvl="1" indent="-514350">
+              <a:buFont typeface="+mj-lt"/>
+              <a:buAutoNum type="arabicPeriod"/>
+            </a:pPr>
+            <a:r>
+              <a:rPr lang="en-CA" dirty="0" smtClean="0"/>
+              <a:t>Polish the UI</a:t>
+            </a:r>
+          </a:p>
+          <a:p>
+            <a:pPr marL="1371600" lvl="2" indent="-514350"/>
+            <a:r>
+              <a:rPr lang="en-CA" dirty="0" smtClean="0">
+                <a:latin typeface="Consolas" pitchFamily="49" charset="0"/>
+                <a:cs typeface="Consolas" pitchFamily="49" charset="0"/>
+                <a:hlinkClick r:id="rId2"/>
+              </a:rPr>
+              <a:t>colinb.me/</a:t>
+            </a:r>
+            <a:r>
+              <a:rPr lang="en-CA" dirty="0" err="1" smtClean="0">
+                <a:latin typeface="Consolas" pitchFamily="49" charset="0"/>
+                <a:cs typeface="Consolas" pitchFamily="49" charset="0"/>
+                <a:hlinkClick r:id="rId2"/>
+              </a:rPr>
+              <a:t>CheapStockIcons</a:t>
+            </a:r>
+            <a:endParaRPr lang="en-CA" dirty="0" smtClean="0">
+              <a:latin typeface="Consolas" pitchFamily="49" charset="0"/>
+              <a:cs typeface="Consolas" pitchFamily="49" charset="0"/>
+            </a:endParaRPr>
+          </a:p>
+          <a:p>
+            <a:pPr marL="457200" lvl="1" indent="0">
+              <a:buNone/>
+            </a:pPr>
+            <a:endParaRPr lang="en-CA" dirty="0" smtClean="0"/>
+          </a:p>
+        </p:txBody>
+      </p:sp>
+      <p:pic>
+        <p:nvPicPr>
+          <p:cNvPr id="1027" name="Picture 3"/>
+          <p:cNvPicPr>
+            <a:picLocks noChangeAspect="1" noChangeArrowheads="1"/>
+          </p:cNvPicPr>
+          <p:nvPr/>
+        </p:nvPicPr>
+        <p:blipFill>
+          <a:blip r:embed="rId3">
+            <a:extLst>
+              <a:ext uri="{28A0092B-C50C-407E-A947-70E740481C1C}">
+                <a14:useLocalDpi xmlns:a14="http://schemas.microsoft.com/office/drawing/2010/main" val="0"/>
+              </a:ext>
+            </a:extLst>
+          </a:blip>
+          <a:srcRect/>
+          <a:stretch>
+            <a:fillRect/>
+          </a:stretch>
+        </p:blipFill>
+        <p:spPr bwMode="auto">
+          <a:xfrm rot="1254373">
+            <a:off x="4812325" y="2099420"/>
+            <a:ext cx="4446111" cy="3378002"/>
+          </a:xfrm>
+          <a:prstGeom prst="rect">
+            <a:avLst/>
+          </a:prstGeom>
+          <a:ln>
+            <a:noFill/>
+          </a:ln>
+          <a:effectLst>
+            <a:outerShdw blurRad="292100" dist="139700" dir="2700000" algn="tl" rotWithShape="0">
+              <a:srgbClr val="333333">
+                <a:alpha val="65000"/>
+              </a:srgbClr>
+            </a:outerShdw>
+          </a:effectLst>
+          <a:extLst>
+            <a:ext uri="{909E8E84-426E-40DD-AFC4-6F175D3DCCD1}">
+              <a14:hiddenFill xmlns:a14="http://schemas.microsoft.com/office/drawing/2010/main">
+                <a:solidFill>
+                  <a:schemeClr val="accent1"/>
+                </a:solidFill>
+              </a14:hiddenFill>
+            </a:ext>
+            <a:ext uri="{91240B29-F687-4F45-9708-019B960494DF}">
+              <a14:hiddenLine xmlns:a14="http://schemas.microsoft.com/office/drawing/2010/main" w="9525">
+                <a:solidFill>
+                  <a:schemeClr val="tx1"/>
+                </a:solidFill>
+                <a:miter lim="800000"/>
+                <a:headEnd/>
+                <a:tailEnd/>
+              </a14:hiddenLine>
+            </a:ext>
+          </a:extLst>
+        </p:spPr>
+      </p:pic>
+    </p:spTree>
+    <p:extLst>
+      <p:ext uri="{BB962C8B-B14F-4D97-AF65-F5344CB8AC3E}">
+        <p14:creationId xmlns:p14="http://schemas.microsoft.com/office/powerpoint/2010/main" val="3635727178"/>
+      </p:ext>
+    </p:extLst>
+  </p:cSld>
+  <p:clrMapOvr>
+    <a:masterClrMapping/>
+  </p:clrMapOvr>
+  <mc:AlternateContent xmlns:mc="http://schemas.openxmlformats.org/markup-compatibility/2006">
+    <mc:Choice xmlns:p14="http://schemas.microsoft.com/office/powerpoint/2010/main" Requires="p14">
+      <p:transition p14:dur="0"/>
+    </mc:Choice>
+    <mc:Fallback>
+      <p:transition/>
+    </mc:Fallback>
+  </mc:AlternateContent>
   <p:timing>
     <p:tnLst>
       <p:par>
@@ -13203,61 +12232,6 @@
 </file>
 
 <file path=customXml/item1.xml><?xml version="1.0" encoding="utf-8"?>
-<?mso-contentType ?>
-<FormTemplates xmlns="http://schemas.microsoft.com/sharepoint/v3/contenttype/forms">
-  <Display>DocumentLibraryForm</Display>
-  <Edit>DocumentLibraryForm</Edit>
-  <New>DocumentLibraryForm</New>
-</FormTemplates>
-</file>
-
-<file path=customXml/item2.xml><?xml version="1.0" encoding="utf-8"?>
-<?mso-contentType ?>
-<spe:Receivers xmlns:spe="http://schemas.microsoft.com/sharepoint/events">
-  <Receiver>
-    <Name>Document ID Generator</Name>
-    <Synchronization>Synchronous</Synchronization>
-    <Type>10001</Type>
-    <SequenceNumber>1000</SequenceNumber>
-    <Assembly>Microsoft.Office.DocumentManagement, Version=14.0.0.0, Culture=neutral, PublicKeyToken=71e9bce111e9429c</Assembly>
-    <Class>Microsoft.Office.DocumentManagement.Internal.DocIdHandler</Class>
-    <Data/>
-    <Filter/>
-  </Receiver>
-  <Receiver>
-    <Name>Document ID Generator</Name>
-    <Synchronization>Synchronous</Synchronization>
-    <Type>10002</Type>
-    <SequenceNumber>1001</SequenceNumber>
-    <Assembly>Microsoft.Office.DocumentManagement, Version=14.0.0.0, Culture=neutral, PublicKeyToken=71e9bce111e9429c</Assembly>
-    <Class>Microsoft.Office.DocumentManagement.Internal.DocIdHandler</Class>
-    <Data/>
-    <Filter/>
-  </Receiver>
-  <Receiver>
-    <Name>Document ID Generator</Name>
-    <Synchronization>Synchronous</Synchronization>
-    <Type>10004</Type>
-    <SequenceNumber>1002</SequenceNumber>
-    <Assembly>Microsoft.Office.DocumentManagement, Version=14.0.0.0, Culture=neutral, PublicKeyToken=71e9bce111e9429c</Assembly>
-    <Class>Microsoft.Office.DocumentManagement.Internal.DocIdHandler</Class>
-    <Data/>
-    <Filter/>
-  </Receiver>
-  <Receiver>
-    <Name>Document ID Generator</Name>
-    <Synchronization>Synchronous</Synchronization>
-    <Type>10006</Type>
-    <SequenceNumber>1003</SequenceNumber>
-    <Assembly>Microsoft.Office.DocumentManagement, Version=14.0.0.0, Culture=neutral, PublicKeyToken=71e9bce111e9429c</Assembly>
-    <Class>Microsoft.Office.DocumentManagement.Internal.DocIdHandler</Class>
-    <Data/>
-    <Filter/>
-  </Receiver>
-</spe:Receivers>
-</file>
-
-<file path=customXml/item3.xml><?xml version="1.0" encoding="utf-8"?>
 <ct:contentTypeSchema xmlns:ct="http://schemas.microsoft.com/office/2006/metadata/contentType" xmlns:ma="http://schemas.microsoft.com/office/2006/metadata/properties/metaAttributes" ct:_="" ma:_="" ma:contentTypeName="Document" ma:contentTypeID="0x010100543E9CDABFCD5E4FBA1898C936196390" ma:contentTypeVersion="3" ma:contentTypeDescription="Create a new document." ma:contentTypeScope="" ma:versionID="64789dc55d9701c687ee5c1c7390758a">
   <xsd:schema xmlns:xsd="http://www.w3.org/2001/XMLSchema" xmlns:xs="http://www.w3.org/2001/XMLSchema" xmlns:p="http://schemas.microsoft.com/office/2006/metadata/properties" xmlns:ns2="230e9df3-be65-4c73-a93b-d1236ebd677e" xmlns:ns3="ae5bcba0-36dd-47c5-a935-559f6a74fc2f" targetNamespace="http://schemas.microsoft.com/office/2006/metadata/properties" ma:root="true" ma:fieldsID="b2f6e6c048dcf90ab78615e1cfb9135f" ns2:_="" ns3:_="">
     <xsd:import namespace="230e9df3-be65-4c73-a93b-d1236ebd677e"/>
@@ -13450,6 +12424,61 @@
 </ct:contentTypeSchema>
 </file>
 
+<file path=customXml/item2.xml><?xml version="1.0" encoding="utf-8"?>
+<?mso-contentType ?>
+<spe:Receivers xmlns:spe="http://schemas.microsoft.com/sharepoint/events">
+  <Receiver>
+    <Name>Document ID Generator</Name>
+    <Synchronization>Synchronous</Synchronization>
+    <Type>10001</Type>
+    <SequenceNumber>1000</SequenceNumber>
+    <Assembly>Microsoft.Office.DocumentManagement, Version=14.0.0.0, Culture=neutral, PublicKeyToken=71e9bce111e9429c</Assembly>
+    <Class>Microsoft.Office.DocumentManagement.Internal.DocIdHandler</Class>
+    <Data/>
+    <Filter/>
+  </Receiver>
+  <Receiver>
+    <Name>Document ID Generator</Name>
+    <Synchronization>Synchronous</Synchronization>
+    <Type>10002</Type>
+    <SequenceNumber>1001</SequenceNumber>
+    <Assembly>Microsoft.Office.DocumentManagement, Version=14.0.0.0, Culture=neutral, PublicKeyToken=71e9bce111e9429c</Assembly>
+    <Class>Microsoft.Office.DocumentManagement.Internal.DocIdHandler</Class>
+    <Data/>
+    <Filter/>
+  </Receiver>
+  <Receiver>
+    <Name>Document ID Generator</Name>
+    <Synchronization>Synchronous</Synchronization>
+    <Type>10004</Type>
+    <SequenceNumber>1002</SequenceNumber>
+    <Assembly>Microsoft.Office.DocumentManagement, Version=14.0.0.0, Culture=neutral, PublicKeyToken=71e9bce111e9429c</Assembly>
+    <Class>Microsoft.Office.DocumentManagement.Internal.DocIdHandler</Class>
+    <Data/>
+    <Filter/>
+  </Receiver>
+  <Receiver>
+    <Name>Document ID Generator</Name>
+    <Synchronization>Synchronous</Synchronization>
+    <Type>10006</Type>
+    <SequenceNumber>1003</SequenceNumber>
+    <Assembly>Microsoft.Office.DocumentManagement, Version=14.0.0.0, Culture=neutral, PublicKeyToken=71e9bce111e9429c</Assembly>
+    <Class>Microsoft.Office.DocumentManagement.Internal.DocIdHandler</Class>
+    <Data/>
+    <Filter/>
+  </Receiver>
+</spe:Receivers>
+</file>
+
+<file path=customXml/item3.xml><?xml version="1.0" encoding="utf-8"?>
+<?mso-contentType ?>
+<FormTemplates xmlns="http://schemas.microsoft.com/sharepoint/v3/contenttype/forms">
+  <Display>DocumentLibraryForm</Display>
+  <Edit>DocumentLibraryForm</Edit>
+  <New>DocumentLibraryForm</New>
+</FormTemplates>
+</file>
+
 <file path=customXml/item4.xml><?xml version="1.0" encoding="utf-8"?>
 <p:properties xmlns:p="http://schemas.microsoft.com/office/2006/metadata/properties" xmlns:xsi="http://www.w3.org/2001/XMLSchema-instance" xmlns:pc="http://schemas.microsoft.com/office/infopath/2007/PartnerControls">
   <documentManagement>
@@ -13475,22 +12504,6 @@
 </file>
 
 <file path=customXml/itemProps1.xml><?xml version="1.0" encoding="utf-8"?>
-<ds:datastoreItem xmlns:ds="http://schemas.openxmlformats.org/officeDocument/2006/customXml" ds:itemID="{C25407E9-4C36-4D77-8023-B582E3A0DD4D}">
-  <ds:schemaRefs>
-    <ds:schemaRef ds:uri="http://schemas.microsoft.com/sharepoint/v3/contenttype/forms"/>
-  </ds:schemaRefs>
-</ds:datastoreItem>
-</file>
-
-<file path=customXml/itemProps2.xml><?xml version="1.0" encoding="utf-8"?>
-<ds:datastoreItem xmlns:ds="http://schemas.openxmlformats.org/officeDocument/2006/customXml" ds:itemID="{4BC7350A-48F2-4602-8365-32377430E627}">
-  <ds:schemaRefs>
-    <ds:schemaRef ds:uri="http://schemas.microsoft.com/sharepoint/events"/>
-  </ds:schemaRefs>
-</ds:datastoreItem>
-</file>
-
-<file path=customXml/itemProps3.xml><?xml version="1.0" encoding="utf-8"?>
 <ds:datastoreItem xmlns:ds="http://schemas.openxmlformats.org/officeDocument/2006/customXml" ds:itemID="{BAC3AEF9-632B-466A-999E-957ABF94960A}">
   <ds:schemaRefs>
     <ds:schemaRef ds:uri="http://schemas.microsoft.com/office/2006/metadata/contentType"/>
@@ -13505,6 +12518,22 @@
     <ds:schemaRef ds:uri="http://purl.org/dc/elements/1.1/"/>
     <ds:schemaRef ds:uri="http://purl.org/dc/terms/"/>
     <ds:schemaRef ds:uri="http://schemas.microsoft.com/internal/obd"/>
+  </ds:schemaRefs>
+</ds:datastoreItem>
+</file>
+
+<file path=customXml/itemProps2.xml><?xml version="1.0" encoding="utf-8"?>
+<ds:datastoreItem xmlns:ds="http://schemas.openxmlformats.org/officeDocument/2006/customXml" ds:itemID="{4BC7350A-48F2-4602-8365-32377430E627}">
+  <ds:schemaRefs>
+    <ds:schemaRef ds:uri="http://schemas.microsoft.com/sharepoint/events"/>
+  </ds:schemaRefs>
+</ds:datastoreItem>
+</file>
+
+<file path=customXml/itemProps3.xml><?xml version="1.0" encoding="utf-8"?>
+<ds:datastoreItem xmlns:ds="http://schemas.openxmlformats.org/officeDocument/2006/customXml" ds:itemID="{C25407E9-4C36-4D77-8023-B582E3A0DD4D}">
+  <ds:schemaRefs>
+    <ds:schemaRef ds:uri="http://schemas.microsoft.com/sharepoint/v3/contenttype/forms"/>
   </ds:schemaRefs>
 </ds:datastoreItem>
 </file>
